--- a/Meeting 29.pptx
+++ b/Meeting 29.pptx
@@ -8,9 +8,10 @@
     <p:sldId id="256" r:id="rId2"/>
     <p:sldId id="257" r:id="rId3"/>
     <p:sldId id="258" r:id="rId4"/>
-    <p:sldId id="259" r:id="rId5"/>
-    <p:sldId id="260" r:id="rId6"/>
-    <p:sldId id="261" r:id="rId7"/>
+    <p:sldId id="262" r:id="rId5"/>
+    <p:sldId id="259" r:id="rId6"/>
+    <p:sldId id="260" r:id="rId7"/>
+    <p:sldId id="261" r:id="rId8"/>
   </p:sldIdLst>
   <p:sldSz cx="12192000" cy="6858000"/>
   <p:notesSz cx="6858000" cy="9144000"/>
@@ -109,7 +110,1940 @@
       </a:defRPr>
     </a:lvl9pPr>
   </p:defaultTextStyle>
+  <p:extLst>
+    <p:ext uri="{EFAFB233-063F-42B5-8137-9DF3F51BA10A}">
+      <p15:sldGuideLst xmlns:p15="http://schemas.microsoft.com/office/powerpoint/2012/main"/>
+    </p:ext>
+  </p:extLst>
 </p:presentation>
+</file>
+
+<file path=ppt/charts/chart1.xml><?xml version="1.0" encoding="utf-8"?>
+<c:chartSpace xmlns:c="http://schemas.openxmlformats.org/drawingml/2006/chart" xmlns:a="http://schemas.openxmlformats.org/drawingml/2006/main" xmlns:r="http://schemas.openxmlformats.org/officeDocument/2006/relationships" xmlns:c16r2="http://schemas.microsoft.com/office/drawing/2015/06/chart">
+  <c:date1904 val="0"/>
+  <c:lang val="en-US"/>
+  <c:roundedCorners val="0"/>
+  <mc:AlternateContent xmlns:mc="http://schemas.openxmlformats.org/markup-compatibility/2006">
+    <mc:Choice xmlns:c14="http://schemas.microsoft.com/office/drawing/2007/8/2/chart" Requires="c14">
+      <c14:style val="102"/>
+    </mc:Choice>
+    <mc:Fallback>
+      <c:style val="2"/>
+    </mc:Fallback>
+  </mc:AlternateContent>
+  <c:chart>
+    <c:title>
+      <c:tx>
+        <c:rich>
+          <a:bodyPr rot="0" spcFirstLastPara="1" vertOverflow="ellipsis" vert="horz" wrap="square" anchor="ctr" anchorCtr="1"/>
+          <a:lstStyle/>
+          <a:p>
+            <a:pPr>
+              <a:defRPr sz="1400" b="0" i="0" u="none" strike="noStrike" kern="1200" spc="0" baseline="0">
+                <a:solidFill>
+                  <a:schemeClr val="tx1">
+                    <a:lumMod val="65000"/>
+                    <a:lumOff val="35000"/>
+                  </a:schemeClr>
+                </a:solidFill>
+                <a:latin typeface="+mn-lt"/>
+                <a:ea typeface="+mn-ea"/>
+                <a:cs typeface="+mn-cs"/>
+              </a:defRPr>
+            </a:pPr>
+            <a:r>
+              <a:rPr lang="en-GB"/>
+              <a:t>PDW</a:t>
+            </a:r>
+          </a:p>
+        </c:rich>
+      </c:tx>
+      <c:overlay val="0"/>
+      <c:spPr>
+        <a:noFill/>
+        <a:ln>
+          <a:noFill/>
+        </a:ln>
+        <a:effectLst/>
+      </c:spPr>
+      <c:txPr>
+        <a:bodyPr rot="0" spcFirstLastPara="1" vertOverflow="ellipsis" vert="horz" wrap="square" anchor="ctr" anchorCtr="1"/>
+        <a:lstStyle/>
+        <a:p>
+          <a:pPr>
+            <a:defRPr sz="1400" b="0" i="0" u="none" strike="noStrike" kern="1200" spc="0" baseline="0">
+              <a:solidFill>
+                <a:schemeClr val="tx1">
+                  <a:lumMod val="65000"/>
+                  <a:lumOff val="35000"/>
+                </a:schemeClr>
+              </a:solidFill>
+              <a:latin typeface="+mn-lt"/>
+              <a:ea typeface="+mn-ea"/>
+              <a:cs typeface="+mn-cs"/>
+            </a:defRPr>
+          </a:pPr>
+          <a:endParaRPr lang="en-US"/>
+        </a:p>
+      </c:txPr>
+    </c:title>
+    <c:autoTitleDeleted val="0"/>
+    <c:plotArea>
+      <c:layout/>
+      <c:lineChart>
+        <c:grouping val="standard"/>
+        <c:varyColors val="0"/>
+        <c:ser>
+          <c:idx val="0"/>
+          <c:order val="0"/>
+          <c:tx>
+            <c:v>Threshold = 0.1</c:v>
+          </c:tx>
+          <c:spPr>
+            <a:ln w="28575" cap="rnd">
+              <a:solidFill>
+                <a:schemeClr val="accent1"/>
+              </a:solidFill>
+              <a:round/>
+            </a:ln>
+            <a:effectLst/>
+          </c:spPr>
+          <c:marker>
+            <c:symbol val="none"/>
+          </c:marker>
+          <c:val>
+            <c:numRef>
+              <c:f>Sheet2!$B$4:$B$15</c:f>
+              <c:numCache>
+                <c:formatCode>General</c:formatCode>
+                <c:ptCount val="12"/>
+                <c:pt idx="0">
+                  <c:v>0.21934945788156801</c:v>
+                </c:pt>
+                <c:pt idx="1">
+                  <c:v>0.211775878442545</c:v>
+                </c:pt>
+                <c:pt idx="2">
+                  <c:v>0.195688225538972</c:v>
+                </c:pt>
+                <c:pt idx="3">
+                  <c:v>0.19480519480519501</c:v>
+                </c:pt>
+                <c:pt idx="4">
+                  <c:v>0.23588342440801499</c:v>
+                </c:pt>
+                <c:pt idx="5">
+                  <c:v>0.295728368017525</c:v>
+                </c:pt>
+                <c:pt idx="6">
+                  <c:v>0.319148936170213</c:v>
+                </c:pt>
+                <c:pt idx="7">
+                  <c:v>0.33144796380090502</c:v>
+                </c:pt>
+                <c:pt idx="8">
+                  <c:v>0.31670281995661598</c:v>
+                </c:pt>
+                <c:pt idx="9">
+                  <c:v>0.27793974732750198</c:v>
+                </c:pt>
+                <c:pt idx="10">
+                  <c:v>0.27263479145473002</c:v>
+                </c:pt>
+                <c:pt idx="11">
+                  <c:v>0.245166959578207</c:v>
+                </c:pt>
+              </c:numCache>
+            </c:numRef>
+          </c:val>
+          <c:smooth val="0"/>
+          <c:extLst>
+            <c:ext xmlns:c16="http://schemas.microsoft.com/office/drawing/2014/chart" uri="{C3380CC4-5D6E-409C-BE32-E72D297353CC}">
+              <c16:uniqueId val="{00000000-4D9E-46EC-B95A-E5D0C0FEC18D}"/>
+            </c:ext>
+          </c:extLst>
+        </c:ser>
+        <c:ser>
+          <c:idx val="1"/>
+          <c:order val="1"/>
+          <c:tx>
+            <c:v>Threshold = 0</c:v>
+          </c:tx>
+          <c:spPr>
+            <a:ln w="28575" cap="rnd">
+              <a:solidFill>
+                <a:schemeClr val="accent2"/>
+              </a:solidFill>
+              <a:round/>
+            </a:ln>
+            <a:effectLst/>
+          </c:spPr>
+          <c:marker>
+            <c:symbol val="none"/>
+          </c:marker>
+          <c:val>
+            <c:numRef>
+              <c:f>Sheet2!$E$4:$E$15</c:f>
+              <c:numCache>
+                <c:formatCode>General</c:formatCode>
+                <c:ptCount val="12"/>
+                <c:pt idx="0">
+                  <c:v>0.24168126094570899</c:v>
+                </c:pt>
+                <c:pt idx="1">
+                  <c:v>0.22709163346613501</c:v>
+                </c:pt>
+                <c:pt idx="2">
+                  <c:v>0.20782608695652199</c:v>
+                </c:pt>
+                <c:pt idx="3">
+                  <c:v>0.20768526989936001</c:v>
+                </c:pt>
+                <c:pt idx="4">
+                  <c:v>0.26035502958579898</c:v>
+                </c:pt>
+                <c:pt idx="5">
+                  <c:v>0.31353919239904998</c:v>
+                </c:pt>
+                <c:pt idx="6">
+                  <c:v>0.346964064436183</c:v>
+                </c:pt>
+                <c:pt idx="7">
+                  <c:v>0.35272277227722798</c:v>
+                </c:pt>
+                <c:pt idx="8">
+                  <c:v>0.341890315052509</c:v>
+                </c:pt>
+                <c:pt idx="9">
+                  <c:v>0.290091930541369</c:v>
+                </c:pt>
+                <c:pt idx="10">
+                  <c:v>0.29184549356223199</c:v>
+                </c:pt>
+                <c:pt idx="11">
+                  <c:v>0.26524953789279099</c:v>
+                </c:pt>
+              </c:numCache>
+            </c:numRef>
+          </c:val>
+          <c:smooth val="0"/>
+          <c:extLst>
+            <c:ext xmlns:c16="http://schemas.microsoft.com/office/drawing/2014/chart" uri="{C3380CC4-5D6E-409C-BE32-E72D297353CC}">
+              <c16:uniqueId val="{00000001-4D9E-46EC-B95A-E5D0C0FEC18D}"/>
+            </c:ext>
+          </c:extLst>
+        </c:ser>
+        <c:dLbls>
+          <c:showLegendKey val="0"/>
+          <c:showVal val="0"/>
+          <c:showCatName val="0"/>
+          <c:showSerName val="0"/>
+          <c:showPercent val="0"/>
+          <c:showBubbleSize val="0"/>
+        </c:dLbls>
+        <c:smooth val="0"/>
+        <c:axId val="1064873936"/>
+        <c:axId val="1064878096"/>
+      </c:lineChart>
+      <c:catAx>
+        <c:axId val="1064873936"/>
+        <c:scaling>
+          <c:orientation val="minMax"/>
+        </c:scaling>
+        <c:delete val="0"/>
+        <c:axPos val="b"/>
+        <c:majorTickMark val="none"/>
+        <c:minorTickMark val="none"/>
+        <c:tickLblPos val="nextTo"/>
+        <c:spPr>
+          <a:noFill/>
+          <a:ln w="9525" cap="flat" cmpd="sng" algn="ctr">
+            <a:solidFill>
+              <a:schemeClr val="tx1">
+                <a:lumMod val="15000"/>
+                <a:lumOff val="85000"/>
+              </a:schemeClr>
+            </a:solidFill>
+            <a:round/>
+          </a:ln>
+          <a:effectLst/>
+        </c:spPr>
+        <c:txPr>
+          <a:bodyPr rot="-60000000" spcFirstLastPara="1" vertOverflow="ellipsis" vert="horz" wrap="square" anchor="ctr" anchorCtr="1"/>
+          <a:lstStyle/>
+          <a:p>
+            <a:pPr>
+              <a:defRPr sz="900" b="0" i="0" u="none" strike="noStrike" kern="1200" baseline="0">
+                <a:solidFill>
+                  <a:schemeClr val="tx1">
+                    <a:lumMod val="65000"/>
+                    <a:lumOff val="35000"/>
+                  </a:schemeClr>
+                </a:solidFill>
+                <a:latin typeface="+mn-lt"/>
+                <a:ea typeface="+mn-ea"/>
+                <a:cs typeface="+mn-cs"/>
+              </a:defRPr>
+            </a:pPr>
+            <a:endParaRPr lang="en-US"/>
+          </a:p>
+        </c:txPr>
+        <c:crossAx val="1064878096"/>
+        <c:crosses val="autoZero"/>
+        <c:auto val="1"/>
+        <c:lblAlgn val="ctr"/>
+        <c:lblOffset val="100"/>
+        <c:noMultiLvlLbl val="0"/>
+      </c:catAx>
+      <c:valAx>
+        <c:axId val="1064878096"/>
+        <c:scaling>
+          <c:orientation val="minMax"/>
+        </c:scaling>
+        <c:delete val="0"/>
+        <c:axPos val="l"/>
+        <c:majorGridlines>
+          <c:spPr>
+            <a:ln w="9525" cap="flat" cmpd="sng" algn="ctr">
+              <a:solidFill>
+                <a:schemeClr val="tx1">
+                  <a:lumMod val="15000"/>
+                  <a:lumOff val="85000"/>
+                </a:schemeClr>
+              </a:solidFill>
+              <a:round/>
+            </a:ln>
+            <a:effectLst/>
+          </c:spPr>
+        </c:majorGridlines>
+        <c:numFmt formatCode="General" sourceLinked="1"/>
+        <c:majorTickMark val="none"/>
+        <c:minorTickMark val="none"/>
+        <c:tickLblPos val="nextTo"/>
+        <c:spPr>
+          <a:noFill/>
+          <a:ln>
+            <a:noFill/>
+          </a:ln>
+          <a:effectLst/>
+        </c:spPr>
+        <c:txPr>
+          <a:bodyPr rot="-60000000" spcFirstLastPara="1" vertOverflow="ellipsis" vert="horz" wrap="square" anchor="ctr" anchorCtr="1"/>
+          <a:lstStyle/>
+          <a:p>
+            <a:pPr>
+              <a:defRPr sz="900" b="0" i="0" u="none" strike="noStrike" kern="1200" baseline="0">
+                <a:solidFill>
+                  <a:schemeClr val="tx1">
+                    <a:lumMod val="65000"/>
+                    <a:lumOff val="35000"/>
+                  </a:schemeClr>
+                </a:solidFill>
+                <a:latin typeface="+mn-lt"/>
+                <a:ea typeface="+mn-ea"/>
+                <a:cs typeface="+mn-cs"/>
+              </a:defRPr>
+            </a:pPr>
+            <a:endParaRPr lang="en-US"/>
+          </a:p>
+        </c:txPr>
+        <c:crossAx val="1064873936"/>
+        <c:crosses val="autoZero"/>
+        <c:crossBetween val="between"/>
+      </c:valAx>
+      <c:spPr>
+        <a:noFill/>
+        <a:ln>
+          <a:noFill/>
+        </a:ln>
+        <a:effectLst/>
+      </c:spPr>
+    </c:plotArea>
+    <c:legend>
+      <c:legendPos val="b"/>
+      <c:overlay val="0"/>
+      <c:spPr>
+        <a:noFill/>
+        <a:ln>
+          <a:noFill/>
+        </a:ln>
+        <a:effectLst/>
+      </c:spPr>
+      <c:txPr>
+        <a:bodyPr rot="0" spcFirstLastPara="1" vertOverflow="ellipsis" vert="horz" wrap="square" anchor="ctr" anchorCtr="1"/>
+        <a:lstStyle/>
+        <a:p>
+          <a:pPr>
+            <a:defRPr sz="900" b="0" i="0" u="none" strike="noStrike" kern="1200" baseline="0">
+              <a:solidFill>
+                <a:schemeClr val="tx1">
+                  <a:lumMod val="65000"/>
+                  <a:lumOff val="35000"/>
+                </a:schemeClr>
+              </a:solidFill>
+              <a:latin typeface="+mn-lt"/>
+              <a:ea typeface="+mn-ea"/>
+              <a:cs typeface="+mn-cs"/>
+            </a:defRPr>
+          </a:pPr>
+          <a:endParaRPr lang="en-US"/>
+        </a:p>
+      </c:txPr>
+    </c:legend>
+    <c:plotVisOnly val="1"/>
+    <c:dispBlanksAs val="gap"/>
+    <c:extLst>
+      <c:ext xmlns:c16r3="http://schemas.microsoft.com/office/drawing/2017/03/chart" uri="{56B9EC1D-385E-4148-901F-78D8002777C0}">
+        <c16r3:dataDisplayOptions16>
+          <c16r3:dispNaAsBlank val="1"/>
+        </c16r3:dataDisplayOptions16>
+      </c:ext>
+    </c:extLst>
+    <c:showDLblsOverMax val="0"/>
+  </c:chart>
+  <c:spPr>
+    <a:solidFill>
+      <a:schemeClr val="bg1"/>
+    </a:solidFill>
+    <a:ln>
+      <a:noFill/>
+    </a:ln>
+    <a:effectLst/>
+  </c:spPr>
+  <c:txPr>
+    <a:bodyPr/>
+    <a:lstStyle/>
+    <a:p>
+      <a:pPr>
+        <a:defRPr/>
+      </a:pPr>
+      <a:endParaRPr lang="en-US"/>
+    </a:p>
+  </c:txPr>
+  <c:externalData r:id="rId3">
+    <c:autoUpdate val="0"/>
+  </c:externalData>
+</c:chartSpace>
+</file>
+
+<file path=ppt/charts/chart2.xml><?xml version="1.0" encoding="utf-8"?>
+<c:chartSpace xmlns:c="http://schemas.openxmlformats.org/drawingml/2006/chart" xmlns:a="http://schemas.openxmlformats.org/drawingml/2006/main" xmlns:r="http://schemas.openxmlformats.org/officeDocument/2006/relationships" xmlns:c16r2="http://schemas.microsoft.com/office/drawing/2015/06/chart">
+  <c:date1904 val="0"/>
+  <c:lang val="en-US"/>
+  <c:roundedCorners val="0"/>
+  <mc:AlternateContent xmlns:mc="http://schemas.openxmlformats.org/markup-compatibility/2006">
+    <mc:Choice xmlns:c14="http://schemas.microsoft.com/office/drawing/2007/8/2/chart" Requires="c14">
+      <c14:style val="102"/>
+    </mc:Choice>
+    <mc:Fallback>
+      <c:style val="2"/>
+    </mc:Fallback>
+  </mc:AlternateContent>
+  <c:chart>
+    <c:title>
+      <c:tx>
+        <c:rich>
+          <a:bodyPr rot="0" spcFirstLastPara="1" vertOverflow="ellipsis" vert="horz" wrap="square" anchor="ctr" anchorCtr="1"/>
+          <a:lstStyle/>
+          <a:p>
+            <a:pPr>
+              <a:defRPr sz="1400" b="0" i="0" u="none" strike="noStrike" kern="1200" spc="0" baseline="0">
+                <a:solidFill>
+                  <a:schemeClr val="tx1">
+                    <a:lumMod val="65000"/>
+                    <a:lumOff val="35000"/>
+                  </a:schemeClr>
+                </a:solidFill>
+                <a:latin typeface="+mn-lt"/>
+                <a:ea typeface="+mn-ea"/>
+                <a:cs typeface="+mn-cs"/>
+              </a:defRPr>
+            </a:pPr>
+            <a:r>
+              <a:rPr lang="en-GB"/>
+              <a:t>PWW</a:t>
+            </a:r>
+          </a:p>
+        </c:rich>
+      </c:tx>
+      <c:overlay val="0"/>
+      <c:spPr>
+        <a:noFill/>
+        <a:ln>
+          <a:noFill/>
+        </a:ln>
+        <a:effectLst/>
+      </c:spPr>
+      <c:txPr>
+        <a:bodyPr rot="0" spcFirstLastPara="1" vertOverflow="ellipsis" vert="horz" wrap="square" anchor="ctr" anchorCtr="1"/>
+        <a:lstStyle/>
+        <a:p>
+          <a:pPr>
+            <a:defRPr sz="1400" b="0" i="0" u="none" strike="noStrike" kern="1200" spc="0" baseline="0">
+              <a:solidFill>
+                <a:schemeClr val="tx1">
+                  <a:lumMod val="65000"/>
+                  <a:lumOff val="35000"/>
+                </a:schemeClr>
+              </a:solidFill>
+              <a:latin typeface="+mn-lt"/>
+              <a:ea typeface="+mn-ea"/>
+              <a:cs typeface="+mn-cs"/>
+            </a:defRPr>
+          </a:pPr>
+          <a:endParaRPr lang="en-US"/>
+        </a:p>
+      </c:txPr>
+    </c:title>
+    <c:autoTitleDeleted val="0"/>
+    <c:plotArea>
+      <c:layout/>
+      <c:lineChart>
+        <c:grouping val="standard"/>
+        <c:varyColors val="0"/>
+        <c:ser>
+          <c:idx val="0"/>
+          <c:order val="0"/>
+          <c:tx>
+            <c:v>Threshold = 0.1</c:v>
+          </c:tx>
+          <c:spPr>
+            <a:ln w="28575" cap="rnd">
+              <a:solidFill>
+                <a:schemeClr val="accent1"/>
+              </a:solidFill>
+              <a:round/>
+            </a:ln>
+            <a:effectLst/>
+          </c:spPr>
+          <c:marker>
+            <c:symbol val="none"/>
+          </c:marker>
+          <c:val>
+            <c:numRef>
+              <c:f>Sheet2!$C$4:$C$15</c:f>
+              <c:numCache>
+                <c:formatCode>General</c:formatCode>
+                <c:ptCount val="12"/>
+                <c:pt idx="0">
+                  <c:v>0.50932835820895495</c:v>
+                </c:pt>
+                <c:pt idx="1">
+                  <c:v>0.57575757575757602</c:v>
+                </c:pt>
+                <c:pt idx="2">
+                  <c:v>0.52409638554216897</c:v>
+                </c:pt>
+                <c:pt idx="3">
+                  <c:v>0.54655870445344101</c:v>
+                </c:pt>
+                <c:pt idx="4">
+                  <c:v>0.57260726072607304</c:v>
+                </c:pt>
+                <c:pt idx="5">
+                  <c:v>0.63315217391304301</c:v>
+                </c:pt>
+                <c:pt idx="6">
+                  <c:v>0.66109785202864002</c:v>
+                </c:pt>
+                <c:pt idx="7">
+                  <c:v>0.65569917743830797</c:v>
+                </c:pt>
+                <c:pt idx="8">
+                  <c:v>0.61426684280052801</c:v>
+                </c:pt>
+                <c:pt idx="9">
+                  <c:v>0.59348441926345596</c:v>
+                </c:pt>
+                <c:pt idx="10">
+                  <c:v>0.61494252873563204</c:v>
+                </c:pt>
+                <c:pt idx="11">
+                  <c:v>0.53266331658291499</c:v>
+                </c:pt>
+              </c:numCache>
+            </c:numRef>
+          </c:val>
+          <c:smooth val="0"/>
+          <c:extLst>
+            <c:ext xmlns:c16="http://schemas.microsoft.com/office/drawing/2014/chart" uri="{C3380CC4-5D6E-409C-BE32-E72D297353CC}">
+              <c16:uniqueId val="{00000000-4612-4401-B866-3F87602EFBBD}"/>
+            </c:ext>
+          </c:extLst>
+        </c:ser>
+        <c:ser>
+          <c:idx val="1"/>
+          <c:order val="1"/>
+          <c:tx>
+            <c:v>Threshold = 0</c:v>
+          </c:tx>
+          <c:spPr>
+            <a:ln w="28575" cap="rnd">
+              <a:solidFill>
+                <a:schemeClr val="accent2"/>
+              </a:solidFill>
+              <a:round/>
+            </a:ln>
+            <a:effectLst/>
+          </c:spPr>
+          <c:marker>
+            <c:symbol val="none"/>
+          </c:marker>
+          <c:val>
+            <c:numRef>
+              <c:f>Sheet2!$F$4:$F$15</c:f>
+              <c:numCache>
+                <c:formatCode>General</c:formatCode>
+                <c:ptCount val="12"/>
+                <c:pt idx="0">
+                  <c:v>0.53456998313659398</c:v>
+                </c:pt>
+                <c:pt idx="1">
+                  <c:v>0.60311958405545896</c:v>
+                </c:pt>
+                <c:pt idx="2">
+                  <c:v>0.56678700361010803</c:v>
+                </c:pt>
+                <c:pt idx="3">
+                  <c:v>0.59352517985611497</c:v>
+                </c:pt>
+                <c:pt idx="4">
+                  <c:v>0.61739130434782596</c:v>
+                </c:pt>
+                <c:pt idx="5">
+                  <c:v>0.67286245353159801</c:v>
+                </c:pt>
+                <c:pt idx="6">
+                  <c:v>0.69805194805194803</c:v>
+                </c:pt>
+                <c:pt idx="7">
+                  <c:v>0.692556634304207</c:v>
+                </c:pt>
+                <c:pt idx="8">
+                  <c:v>0.64355231143552305</c:v>
+                </c:pt>
+                <c:pt idx="9">
+                  <c:v>0.62301587301587302</c:v>
+                </c:pt>
+                <c:pt idx="10">
+                  <c:v>0.63587684069611805</c:v>
+                </c:pt>
+                <c:pt idx="11">
+                  <c:v>0.56202143950995398</c:v>
+                </c:pt>
+              </c:numCache>
+            </c:numRef>
+          </c:val>
+          <c:smooth val="0"/>
+          <c:extLst>
+            <c:ext xmlns:c16="http://schemas.microsoft.com/office/drawing/2014/chart" uri="{C3380CC4-5D6E-409C-BE32-E72D297353CC}">
+              <c16:uniqueId val="{00000001-4612-4401-B866-3F87602EFBBD}"/>
+            </c:ext>
+          </c:extLst>
+        </c:ser>
+        <c:dLbls>
+          <c:showLegendKey val="0"/>
+          <c:showVal val="0"/>
+          <c:showCatName val="0"/>
+          <c:showSerName val="0"/>
+          <c:showPercent val="0"/>
+          <c:showBubbleSize val="0"/>
+        </c:dLbls>
+        <c:smooth val="0"/>
+        <c:axId val="1075207600"/>
+        <c:axId val="1075206768"/>
+      </c:lineChart>
+      <c:catAx>
+        <c:axId val="1075207600"/>
+        <c:scaling>
+          <c:orientation val="minMax"/>
+        </c:scaling>
+        <c:delete val="0"/>
+        <c:axPos val="b"/>
+        <c:majorTickMark val="none"/>
+        <c:minorTickMark val="none"/>
+        <c:tickLblPos val="nextTo"/>
+        <c:spPr>
+          <a:noFill/>
+          <a:ln w="9525" cap="flat" cmpd="sng" algn="ctr">
+            <a:solidFill>
+              <a:schemeClr val="tx1">
+                <a:lumMod val="15000"/>
+                <a:lumOff val="85000"/>
+              </a:schemeClr>
+            </a:solidFill>
+            <a:round/>
+          </a:ln>
+          <a:effectLst/>
+        </c:spPr>
+        <c:txPr>
+          <a:bodyPr rot="-60000000" spcFirstLastPara="1" vertOverflow="ellipsis" vert="horz" wrap="square" anchor="ctr" anchorCtr="1"/>
+          <a:lstStyle/>
+          <a:p>
+            <a:pPr>
+              <a:defRPr sz="900" b="0" i="0" u="none" strike="noStrike" kern="1200" baseline="0">
+                <a:solidFill>
+                  <a:schemeClr val="tx1">
+                    <a:lumMod val="65000"/>
+                    <a:lumOff val="35000"/>
+                  </a:schemeClr>
+                </a:solidFill>
+                <a:latin typeface="+mn-lt"/>
+                <a:ea typeface="+mn-ea"/>
+                <a:cs typeface="+mn-cs"/>
+              </a:defRPr>
+            </a:pPr>
+            <a:endParaRPr lang="en-US"/>
+          </a:p>
+        </c:txPr>
+        <c:crossAx val="1075206768"/>
+        <c:crosses val="autoZero"/>
+        <c:auto val="1"/>
+        <c:lblAlgn val="ctr"/>
+        <c:lblOffset val="100"/>
+        <c:noMultiLvlLbl val="0"/>
+      </c:catAx>
+      <c:valAx>
+        <c:axId val="1075206768"/>
+        <c:scaling>
+          <c:orientation val="minMax"/>
+        </c:scaling>
+        <c:delete val="0"/>
+        <c:axPos val="l"/>
+        <c:majorGridlines>
+          <c:spPr>
+            <a:ln w="9525" cap="flat" cmpd="sng" algn="ctr">
+              <a:solidFill>
+                <a:schemeClr val="tx1">
+                  <a:lumMod val="15000"/>
+                  <a:lumOff val="85000"/>
+                </a:schemeClr>
+              </a:solidFill>
+              <a:round/>
+            </a:ln>
+            <a:effectLst/>
+          </c:spPr>
+        </c:majorGridlines>
+        <c:numFmt formatCode="General" sourceLinked="1"/>
+        <c:majorTickMark val="none"/>
+        <c:minorTickMark val="none"/>
+        <c:tickLblPos val="nextTo"/>
+        <c:spPr>
+          <a:noFill/>
+          <a:ln>
+            <a:noFill/>
+          </a:ln>
+          <a:effectLst/>
+        </c:spPr>
+        <c:txPr>
+          <a:bodyPr rot="-60000000" spcFirstLastPara="1" vertOverflow="ellipsis" vert="horz" wrap="square" anchor="ctr" anchorCtr="1"/>
+          <a:lstStyle/>
+          <a:p>
+            <a:pPr>
+              <a:defRPr sz="900" b="0" i="0" u="none" strike="noStrike" kern="1200" baseline="0">
+                <a:solidFill>
+                  <a:schemeClr val="tx1">
+                    <a:lumMod val="65000"/>
+                    <a:lumOff val="35000"/>
+                  </a:schemeClr>
+                </a:solidFill>
+                <a:latin typeface="+mn-lt"/>
+                <a:ea typeface="+mn-ea"/>
+                <a:cs typeface="+mn-cs"/>
+              </a:defRPr>
+            </a:pPr>
+            <a:endParaRPr lang="en-US"/>
+          </a:p>
+        </c:txPr>
+        <c:crossAx val="1075207600"/>
+        <c:crosses val="autoZero"/>
+        <c:crossBetween val="between"/>
+      </c:valAx>
+      <c:spPr>
+        <a:noFill/>
+        <a:ln>
+          <a:noFill/>
+        </a:ln>
+        <a:effectLst/>
+      </c:spPr>
+    </c:plotArea>
+    <c:legend>
+      <c:legendPos val="b"/>
+      <c:overlay val="0"/>
+      <c:spPr>
+        <a:noFill/>
+        <a:ln>
+          <a:noFill/>
+        </a:ln>
+        <a:effectLst/>
+      </c:spPr>
+      <c:txPr>
+        <a:bodyPr rot="0" spcFirstLastPara="1" vertOverflow="ellipsis" vert="horz" wrap="square" anchor="ctr" anchorCtr="1"/>
+        <a:lstStyle/>
+        <a:p>
+          <a:pPr>
+            <a:defRPr sz="900" b="0" i="0" u="none" strike="noStrike" kern="1200" baseline="0">
+              <a:solidFill>
+                <a:schemeClr val="tx1">
+                  <a:lumMod val="65000"/>
+                  <a:lumOff val="35000"/>
+                </a:schemeClr>
+              </a:solidFill>
+              <a:latin typeface="+mn-lt"/>
+              <a:ea typeface="+mn-ea"/>
+              <a:cs typeface="+mn-cs"/>
+            </a:defRPr>
+          </a:pPr>
+          <a:endParaRPr lang="en-US"/>
+        </a:p>
+      </c:txPr>
+    </c:legend>
+    <c:plotVisOnly val="1"/>
+    <c:dispBlanksAs val="gap"/>
+    <c:extLst>
+      <c:ext xmlns:c16r3="http://schemas.microsoft.com/office/drawing/2017/03/chart" uri="{56B9EC1D-385E-4148-901F-78D8002777C0}">
+        <c16r3:dataDisplayOptions16>
+          <c16r3:dispNaAsBlank val="1"/>
+        </c16r3:dataDisplayOptions16>
+      </c:ext>
+    </c:extLst>
+    <c:showDLblsOverMax val="0"/>
+  </c:chart>
+  <c:spPr>
+    <a:solidFill>
+      <a:schemeClr val="bg1"/>
+    </a:solidFill>
+    <a:ln>
+      <a:noFill/>
+    </a:ln>
+    <a:effectLst/>
+  </c:spPr>
+  <c:txPr>
+    <a:bodyPr/>
+    <a:lstStyle/>
+    <a:p>
+      <a:pPr>
+        <a:defRPr/>
+      </a:pPr>
+      <a:endParaRPr lang="en-US"/>
+    </a:p>
+  </c:txPr>
+  <c:externalData r:id="rId3">
+    <c:autoUpdate val="0"/>
+  </c:externalData>
+</c:chartSpace>
+</file>
+
+<file path=ppt/charts/colors1.xml><?xml version="1.0" encoding="utf-8"?>
+<cs:colorStyle xmlns:cs="http://schemas.microsoft.com/office/drawing/2012/chartStyle" xmlns:a="http://schemas.openxmlformats.org/drawingml/2006/main" meth="cycle" id="10">
+  <a:schemeClr val="accent1"/>
+  <a:schemeClr val="accent2"/>
+  <a:schemeClr val="accent3"/>
+  <a:schemeClr val="accent4"/>
+  <a:schemeClr val="accent5"/>
+  <a:schemeClr val="accent6"/>
+  <cs:variation/>
+  <cs:variation>
+    <a:lumMod val="60000"/>
+  </cs:variation>
+  <cs:variation>
+    <a:lumMod val="80000"/>
+    <a:lumOff val="20000"/>
+  </cs:variation>
+  <cs:variation>
+    <a:lumMod val="80000"/>
+  </cs:variation>
+  <cs:variation>
+    <a:lumMod val="60000"/>
+    <a:lumOff val="40000"/>
+  </cs:variation>
+  <cs:variation>
+    <a:lumMod val="50000"/>
+  </cs:variation>
+  <cs:variation>
+    <a:lumMod val="70000"/>
+    <a:lumOff val="30000"/>
+  </cs:variation>
+  <cs:variation>
+    <a:lumMod val="70000"/>
+  </cs:variation>
+  <cs:variation>
+    <a:lumMod val="50000"/>
+    <a:lumOff val="50000"/>
+  </cs:variation>
+</cs:colorStyle>
+</file>
+
+<file path=ppt/charts/colors2.xml><?xml version="1.0" encoding="utf-8"?>
+<cs:colorStyle xmlns:cs="http://schemas.microsoft.com/office/drawing/2012/chartStyle" xmlns:a="http://schemas.openxmlformats.org/drawingml/2006/main" meth="cycle" id="10">
+  <a:schemeClr val="accent1"/>
+  <a:schemeClr val="accent2"/>
+  <a:schemeClr val="accent3"/>
+  <a:schemeClr val="accent4"/>
+  <a:schemeClr val="accent5"/>
+  <a:schemeClr val="accent6"/>
+  <cs:variation/>
+  <cs:variation>
+    <a:lumMod val="60000"/>
+  </cs:variation>
+  <cs:variation>
+    <a:lumMod val="80000"/>
+    <a:lumOff val="20000"/>
+  </cs:variation>
+  <cs:variation>
+    <a:lumMod val="80000"/>
+  </cs:variation>
+  <cs:variation>
+    <a:lumMod val="60000"/>
+    <a:lumOff val="40000"/>
+  </cs:variation>
+  <cs:variation>
+    <a:lumMod val="50000"/>
+  </cs:variation>
+  <cs:variation>
+    <a:lumMod val="70000"/>
+    <a:lumOff val="30000"/>
+  </cs:variation>
+  <cs:variation>
+    <a:lumMod val="70000"/>
+  </cs:variation>
+  <cs:variation>
+    <a:lumMod val="50000"/>
+    <a:lumOff val="50000"/>
+  </cs:variation>
+</cs:colorStyle>
+</file>
+
+<file path=ppt/charts/style1.xml><?xml version="1.0" encoding="utf-8"?>
+<cs:chartStyle xmlns:cs="http://schemas.microsoft.com/office/drawing/2012/chartStyle" xmlns:a="http://schemas.openxmlformats.org/drawingml/2006/main" id="227">
+  <cs:axisTitle>
+    <cs:lnRef idx="0"/>
+    <cs:fillRef idx="0"/>
+    <cs:effectRef idx="0"/>
+    <cs:fontRef idx="minor">
+      <a:schemeClr val="tx1">
+        <a:lumMod val="65000"/>
+        <a:lumOff val="35000"/>
+      </a:schemeClr>
+    </cs:fontRef>
+    <cs:defRPr sz="1000" kern="1200"/>
+  </cs:axisTitle>
+  <cs:categoryAxis>
+    <cs:lnRef idx="0"/>
+    <cs:fillRef idx="0"/>
+    <cs:effectRef idx="0"/>
+    <cs:fontRef idx="minor">
+      <a:schemeClr val="tx1">
+        <a:lumMod val="65000"/>
+        <a:lumOff val="35000"/>
+      </a:schemeClr>
+    </cs:fontRef>
+    <cs:spPr>
+      <a:ln w="9525" cap="flat" cmpd="sng" algn="ctr">
+        <a:solidFill>
+          <a:schemeClr val="tx1">
+            <a:lumMod val="15000"/>
+            <a:lumOff val="85000"/>
+          </a:schemeClr>
+        </a:solidFill>
+        <a:round/>
+      </a:ln>
+    </cs:spPr>
+    <cs:defRPr sz="900" kern="1200"/>
+  </cs:categoryAxis>
+  <cs:chartArea mods="allowNoFillOverride allowNoLineOverride">
+    <cs:lnRef idx="0"/>
+    <cs:fillRef idx="0"/>
+    <cs:effectRef idx="0"/>
+    <cs:fontRef idx="minor">
+      <a:schemeClr val="tx1"/>
+    </cs:fontRef>
+    <cs:spPr>
+      <a:solidFill>
+        <a:schemeClr val="bg1"/>
+      </a:solidFill>
+      <a:ln w="9525" cap="flat" cmpd="sng" algn="ctr">
+        <a:solidFill>
+          <a:schemeClr val="tx1">
+            <a:lumMod val="15000"/>
+            <a:lumOff val="85000"/>
+          </a:schemeClr>
+        </a:solidFill>
+        <a:round/>
+      </a:ln>
+    </cs:spPr>
+    <cs:defRPr sz="1000" kern="1200"/>
+  </cs:chartArea>
+  <cs:dataLabel>
+    <cs:lnRef idx="0"/>
+    <cs:fillRef idx="0"/>
+    <cs:effectRef idx="0"/>
+    <cs:fontRef idx="minor">
+      <a:schemeClr val="tx1">
+        <a:lumMod val="75000"/>
+        <a:lumOff val="25000"/>
+      </a:schemeClr>
+    </cs:fontRef>
+    <cs:defRPr sz="900" kern="1200"/>
+  </cs:dataLabel>
+  <cs:dataLabelCallout>
+    <cs:lnRef idx="0"/>
+    <cs:fillRef idx="0"/>
+    <cs:effectRef idx="0"/>
+    <cs:fontRef idx="minor">
+      <a:schemeClr val="dk1">
+        <a:lumMod val="65000"/>
+        <a:lumOff val="35000"/>
+      </a:schemeClr>
+    </cs:fontRef>
+    <cs:spPr>
+      <a:solidFill>
+        <a:schemeClr val="lt1"/>
+      </a:solidFill>
+      <a:ln>
+        <a:solidFill>
+          <a:schemeClr val="dk1">
+            <a:lumMod val="25000"/>
+            <a:lumOff val="75000"/>
+          </a:schemeClr>
+        </a:solidFill>
+      </a:ln>
+    </cs:spPr>
+    <cs:defRPr sz="900" kern="1200"/>
+    <cs:bodyPr rot="0" spcFirstLastPara="1" vertOverflow="clip" horzOverflow="clip" vert="horz" wrap="square" lIns="36576" tIns="18288" rIns="36576" bIns="18288" anchor="ctr" anchorCtr="1">
+      <a:spAutoFit/>
+    </cs:bodyPr>
+  </cs:dataLabelCallout>
+  <cs:dataPoint>
+    <cs:lnRef idx="0"/>
+    <cs:fillRef idx="1">
+      <cs:styleClr val="auto"/>
+    </cs:fillRef>
+    <cs:effectRef idx="0"/>
+    <cs:fontRef idx="minor">
+      <a:schemeClr val="tx1"/>
+    </cs:fontRef>
+    <cs:spPr>
+      <a:solidFill>
+        <a:schemeClr val="phClr"/>
+      </a:solidFill>
+    </cs:spPr>
+  </cs:dataPoint>
+  <cs:dataPoint3D>
+    <cs:lnRef idx="0"/>
+    <cs:fillRef idx="1">
+      <cs:styleClr val="auto"/>
+    </cs:fillRef>
+    <cs:effectRef idx="0"/>
+    <cs:fontRef idx="minor">
+      <a:schemeClr val="tx1"/>
+    </cs:fontRef>
+    <cs:spPr>
+      <a:solidFill>
+        <a:schemeClr val="phClr"/>
+      </a:solidFill>
+    </cs:spPr>
+  </cs:dataPoint3D>
+  <cs:dataPointLine>
+    <cs:lnRef idx="0">
+      <cs:styleClr val="auto"/>
+    </cs:lnRef>
+    <cs:fillRef idx="1"/>
+    <cs:effectRef idx="0"/>
+    <cs:fontRef idx="minor">
+      <a:schemeClr val="tx1"/>
+    </cs:fontRef>
+    <cs:spPr>
+      <a:ln w="28575" cap="rnd">
+        <a:solidFill>
+          <a:schemeClr val="phClr"/>
+        </a:solidFill>
+        <a:round/>
+      </a:ln>
+    </cs:spPr>
+  </cs:dataPointLine>
+  <cs:dataPointMarker>
+    <cs:lnRef idx="0">
+      <cs:styleClr val="auto"/>
+    </cs:lnRef>
+    <cs:fillRef idx="1">
+      <cs:styleClr val="auto"/>
+    </cs:fillRef>
+    <cs:effectRef idx="0"/>
+    <cs:fontRef idx="minor">
+      <a:schemeClr val="tx1"/>
+    </cs:fontRef>
+    <cs:spPr>
+      <a:solidFill>
+        <a:schemeClr val="phClr"/>
+      </a:solidFill>
+      <a:ln w="9525">
+        <a:solidFill>
+          <a:schemeClr val="phClr"/>
+        </a:solidFill>
+      </a:ln>
+    </cs:spPr>
+  </cs:dataPointMarker>
+  <cs:dataPointMarkerLayout symbol="circle" size="5"/>
+  <cs:dataPointWireframe>
+    <cs:lnRef idx="0">
+      <cs:styleClr val="auto"/>
+    </cs:lnRef>
+    <cs:fillRef idx="1"/>
+    <cs:effectRef idx="0"/>
+    <cs:fontRef idx="minor">
+      <a:schemeClr val="tx1"/>
+    </cs:fontRef>
+    <cs:spPr>
+      <a:ln w="9525" cap="rnd">
+        <a:solidFill>
+          <a:schemeClr val="phClr"/>
+        </a:solidFill>
+        <a:round/>
+      </a:ln>
+    </cs:spPr>
+  </cs:dataPointWireframe>
+  <cs:dataTable>
+    <cs:lnRef idx="0"/>
+    <cs:fillRef idx="0"/>
+    <cs:effectRef idx="0"/>
+    <cs:fontRef idx="minor">
+      <a:schemeClr val="tx1">
+        <a:lumMod val="65000"/>
+        <a:lumOff val="35000"/>
+      </a:schemeClr>
+    </cs:fontRef>
+    <cs:spPr>
+      <a:noFill/>
+      <a:ln w="9525" cap="flat" cmpd="sng" algn="ctr">
+        <a:solidFill>
+          <a:schemeClr val="tx1">
+            <a:lumMod val="15000"/>
+            <a:lumOff val="85000"/>
+          </a:schemeClr>
+        </a:solidFill>
+        <a:round/>
+      </a:ln>
+    </cs:spPr>
+    <cs:defRPr sz="900" kern="1200"/>
+  </cs:dataTable>
+  <cs:downBar>
+    <cs:lnRef idx="0"/>
+    <cs:fillRef idx="0"/>
+    <cs:effectRef idx="0"/>
+    <cs:fontRef idx="minor">
+      <a:schemeClr val="dk1"/>
+    </cs:fontRef>
+    <cs:spPr>
+      <a:solidFill>
+        <a:schemeClr val="dk1">
+          <a:lumMod val="65000"/>
+          <a:lumOff val="35000"/>
+        </a:schemeClr>
+      </a:solidFill>
+      <a:ln w="9525">
+        <a:solidFill>
+          <a:schemeClr val="tx1">
+            <a:lumMod val="65000"/>
+            <a:lumOff val="35000"/>
+          </a:schemeClr>
+        </a:solidFill>
+      </a:ln>
+    </cs:spPr>
+  </cs:downBar>
+  <cs:dropLine>
+    <cs:lnRef idx="0"/>
+    <cs:fillRef idx="0"/>
+    <cs:effectRef idx="0"/>
+    <cs:fontRef idx="minor">
+      <a:schemeClr val="tx1"/>
+    </cs:fontRef>
+    <cs:spPr>
+      <a:ln w="9525" cap="flat" cmpd="sng" algn="ctr">
+        <a:solidFill>
+          <a:schemeClr val="tx1">
+            <a:lumMod val="35000"/>
+            <a:lumOff val="65000"/>
+          </a:schemeClr>
+        </a:solidFill>
+        <a:round/>
+      </a:ln>
+    </cs:spPr>
+  </cs:dropLine>
+  <cs:errorBar>
+    <cs:lnRef idx="0"/>
+    <cs:fillRef idx="0"/>
+    <cs:effectRef idx="0"/>
+    <cs:fontRef idx="minor">
+      <a:schemeClr val="tx1"/>
+    </cs:fontRef>
+    <cs:spPr>
+      <a:ln w="9525" cap="flat" cmpd="sng" algn="ctr">
+        <a:solidFill>
+          <a:schemeClr val="tx1">
+            <a:lumMod val="65000"/>
+            <a:lumOff val="35000"/>
+          </a:schemeClr>
+        </a:solidFill>
+        <a:round/>
+      </a:ln>
+    </cs:spPr>
+  </cs:errorBar>
+  <cs:floor>
+    <cs:lnRef idx="0"/>
+    <cs:fillRef idx="0"/>
+    <cs:effectRef idx="0"/>
+    <cs:fontRef idx="minor">
+      <a:schemeClr val="tx1"/>
+    </cs:fontRef>
+    <cs:spPr>
+      <a:noFill/>
+      <a:ln>
+        <a:noFill/>
+      </a:ln>
+    </cs:spPr>
+  </cs:floor>
+  <cs:gridlineMajor>
+    <cs:lnRef idx="0"/>
+    <cs:fillRef idx="0"/>
+    <cs:effectRef idx="0"/>
+    <cs:fontRef idx="minor">
+      <a:schemeClr val="tx1"/>
+    </cs:fontRef>
+    <cs:spPr>
+      <a:ln w="9525" cap="flat" cmpd="sng" algn="ctr">
+        <a:solidFill>
+          <a:schemeClr val="tx1">
+            <a:lumMod val="15000"/>
+            <a:lumOff val="85000"/>
+          </a:schemeClr>
+        </a:solidFill>
+        <a:round/>
+      </a:ln>
+    </cs:spPr>
+  </cs:gridlineMajor>
+  <cs:gridlineMinor>
+    <cs:lnRef idx="0"/>
+    <cs:fillRef idx="0"/>
+    <cs:effectRef idx="0"/>
+    <cs:fontRef idx="minor">
+      <a:schemeClr val="tx1"/>
+    </cs:fontRef>
+    <cs:spPr>
+      <a:ln w="9525" cap="flat" cmpd="sng" algn="ctr">
+        <a:solidFill>
+          <a:schemeClr val="tx1">
+            <a:lumMod val="5000"/>
+            <a:lumOff val="95000"/>
+          </a:schemeClr>
+        </a:solidFill>
+        <a:round/>
+      </a:ln>
+    </cs:spPr>
+  </cs:gridlineMinor>
+  <cs:hiLoLine>
+    <cs:lnRef idx="0"/>
+    <cs:fillRef idx="0"/>
+    <cs:effectRef idx="0"/>
+    <cs:fontRef idx="minor">
+      <a:schemeClr val="tx1"/>
+    </cs:fontRef>
+    <cs:spPr>
+      <a:ln w="9525" cap="flat" cmpd="sng" algn="ctr">
+        <a:solidFill>
+          <a:schemeClr val="tx1">
+            <a:lumMod val="75000"/>
+            <a:lumOff val="25000"/>
+          </a:schemeClr>
+        </a:solidFill>
+        <a:round/>
+      </a:ln>
+    </cs:spPr>
+  </cs:hiLoLine>
+  <cs:leaderLine>
+    <cs:lnRef idx="0"/>
+    <cs:fillRef idx="0"/>
+    <cs:effectRef idx="0"/>
+    <cs:fontRef idx="minor">
+      <a:schemeClr val="tx1"/>
+    </cs:fontRef>
+    <cs:spPr>
+      <a:ln w="9525" cap="flat" cmpd="sng" algn="ctr">
+        <a:solidFill>
+          <a:schemeClr val="tx1">
+            <a:lumMod val="35000"/>
+            <a:lumOff val="65000"/>
+          </a:schemeClr>
+        </a:solidFill>
+        <a:round/>
+      </a:ln>
+    </cs:spPr>
+  </cs:leaderLine>
+  <cs:legend>
+    <cs:lnRef idx="0"/>
+    <cs:fillRef idx="0"/>
+    <cs:effectRef idx="0"/>
+    <cs:fontRef idx="minor">
+      <a:schemeClr val="tx1">
+        <a:lumMod val="65000"/>
+        <a:lumOff val="35000"/>
+      </a:schemeClr>
+    </cs:fontRef>
+    <cs:defRPr sz="900" kern="1200"/>
+  </cs:legend>
+  <cs:plotArea mods="allowNoFillOverride allowNoLineOverride">
+    <cs:lnRef idx="0"/>
+    <cs:fillRef idx="0"/>
+    <cs:effectRef idx="0"/>
+    <cs:fontRef idx="minor">
+      <a:schemeClr val="tx1"/>
+    </cs:fontRef>
+  </cs:plotArea>
+  <cs:plotArea3D mods="allowNoFillOverride allowNoLineOverride">
+    <cs:lnRef idx="0"/>
+    <cs:fillRef idx="0"/>
+    <cs:effectRef idx="0"/>
+    <cs:fontRef idx="minor">
+      <a:schemeClr val="tx1"/>
+    </cs:fontRef>
+  </cs:plotArea3D>
+  <cs:seriesAxis>
+    <cs:lnRef idx="0"/>
+    <cs:fillRef idx="0"/>
+    <cs:effectRef idx="0"/>
+    <cs:fontRef idx="minor">
+      <a:schemeClr val="tx1">
+        <a:lumMod val="65000"/>
+        <a:lumOff val="35000"/>
+      </a:schemeClr>
+    </cs:fontRef>
+    <cs:defRPr sz="900" kern="1200"/>
+  </cs:seriesAxis>
+  <cs:seriesLine>
+    <cs:lnRef idx="0"/>
+    <cs:fillRef idx="0"/>
+    <cs:effectRef idx="0"/>
+    <cs:fontRef idx="minor">
+      <a:schemeClr val="tx1"/>
+    </cs:fontRef>
+    <cs:spPr>
+      <a:ln w="9525" cap="flat" cmpd="sng" algn="ctr">
+        <a:solidFill>
+          <a:schemeClr val="tx1">
+            <a:lumMod val="35000"/>
+            <a:lumOff val="65000"/>
+          </a:schemeClr>
+        </a:solidFill>
+        <a:round/>
+      </a:ln>
+    </cs:spPr>
+  </cs:seriesLine>
+  <cs:title>
+    <cs:lnRef idx="0"/>
+    <cs:fillRef idx="0"/>
+    <cs:effectRef idx="0"/>
+    <cs:fontRef idx="minor">
+      <a:schemeClr val="tx1">
+        <a:lumMod val="65000"/>
+        <a:lumOff val="35000"/>
+      </a:schemeClr>
+    </cs:fontRef>
+    <cs:defRPr sz="1400" b="0" kern="1200" spc="0" baseline="0"/>
+  </cs:title>
+  <cs:trendline>
+    <cs:lnRef idx="0">
+      <cs:styleClr val="auto"/>
+    </cs:lnRef>
+    <cs:fillRef idx="0"/>
+    <cs:effectRef idx="0"/>
+    <cs:fontRef idx="minor">
+      <a:schemeClr val="tx1"/>
+    </cs:fontRef>
+    <cs:spPr>
+      <a:ln w="19050" cap="rnd">
+        <a:solidFill>
+          <a:schemeClr val="phClr"/>
+        </a:solidFill>
+        <a:prstDash val="sysDot"/>
+      </a:ln>
+    </cs:spPr>
+  </cs:trendline>
+  <cs:trendlineLabel>
+    <cs:lnRef idx="0"/>
+    <cs:fillRef idx="0"/>
+    <cs:effectRef idx="0"/>
+    <cs:fontRef idx="minor">
+      <a:schemeClr val="tx1">
+        <a:lumMod val="65000"/>
+        <a:lumOff val="35000"/>
+      </a:schemeClr>
+    </cs:fontRef>
+    <cs:defRPr sz="900" kern="1200"/>
+  </cs:trendlineLabel>
+  <cs:upBar>
+    <cs:lnRef idx="0"/>
+    <cs:fillRef idx="0"/>
+    <cs:effectRef idx="0"/>
+    <cs:fontRef idx="minor">
+      <a:schemeClr val="dk1"/>
+    </cs:fontRef>
+    <cs:spPr>
+      <a:solidFill>
+        <a:schemeClr val="lt1"/>
+      </a:solidFill>
+      <a:ln w="9525">
+        <a:solidFill>
+          <a:schemeClr val="tx1">
+            <a:lumMod val="15000"/>
+            <a:lumOff val="85000"/>
+          </a:schemeClr>
+        </a:solidFill>
+      </a:ln>
+    </cs:spPr>
+  </cs:upBar>
+  <cs:valueAxis>
+    <cs:lnRef idx="0"/>
+    <cs:fillRef idx="0"/>
+    <cs:effectRef idx="0"/>
+    <cs:fontRef idx="minor">
+      <a:schemeClr val="tx1">
+        <a:lumMod val="65000"/>
+        <a:lumOff val="35000"/>
+      </a:schemeClr>
+    </cs:fontRef>
+    <cs:defRPr sz="900" kern="1200"/>
+  </cs:valueAxis>
+  <cs:wall>
+    <cs:lnRef idx="0"/>
+    <cs:fillRef idx="0"/>
+    <cs:effectRef idx="0"/>
+    <cs:fontRef idx="minor">
+      <a:schemeClr val="tx1"/>
+    </cs:fontRef>
+    <cs:spPr>
+      <a:noFill/>
+      <a:ln>
+        <a:noFill/>
+      </a:ln>
+    </cs:spPr>
+  </cs:wall>
+</cs:chartStyle>
+</file>
+
+<file path=ppt/charts/style2.xml><?xml version="1.0" encoding="utf-8"?>
+<cs:chartStyle xmlns:cs="http://schemas.microsoft.com/office/drawing/2012/chartStyle" xmlns:a="http://schemas.openxmlformats.org/drawingml/2006/main" id="227">
+  <cs:axisTitle>
+    <cs:lnRef idx="0"/>
+    <cs:fillRef idx="0"/>
+    <cs:effectRef idx="0"/>
+    <cs:fontRef idx="minor">
+      <a:schemeClr val="tx1">
+        <a:lumMod val="65000"/>
+        <a:lumOff val="35000"/>
+      </a:schemeClr>
+    </cs:fontRef>
+    <cs:defRPr sz="1000" kern="1200"/>
+  </cs:axisTitle>
+  <cs:categoryAxis>
+    <cs:lnRef idx="0"/>
+    <cs:fillRef idx="0"/>
+    <cs:effectRef idx="0"/>
+    <cs:fontRef idx="minor">
+      <a:schemeClr val="tx1">
+        <a:lumMod val="65000"/>
+        <a:lumOff val="35000"/>
+      </a:schemeClr>
+    </cs:fontRef>
+    <cs:spPr>
+      <a:ln w="9525" cap="flat" cmpd="sng" algn="ctr">
+        <a:solidFill>
+          <a:schemeClr val="tx1">
+            <a:lumMod val="15000"/>
+            <a:lumOff val="85000"/>
+          </a:schemeClr>
+        </a:solidFill>
+        <a:round/>
+      </a:ln>
+    </cs:spPr>
+    <cs:defRPr sz="900" kern="1200"/>
+  </cs:categoryAxis>
+  <cs:chartArea mods="allowNoFillOverride allowNoLineOverride">
+    <cs:lnRef idx="0"/>
+    <cs:fillRef idx="0"/>
+    <cs:effectRef idx="0"/>
+    <cs:fontRef idx="minor">
+      <a:schemeClr val="tx1"/>
+    </cs:fontRef>
+    <cs:spPr>
+      <a:solidFill>
+        <a:schemeClr val="bg1"/>
+      </a:solidFill>
+      <a:ln w="9525" cap="flat" cmpd="sng" algn="ctr">
+        <a:solidFill>
+          <a:schemeClr val="tx1">
+            <a:lumMod val="15000"/>
+            <a:lumOff val="85000"/>
+          </a:schemeClr>
+        </a:solidFill>
+        <a:round/>
+      </a:ln>
+    </cs:spPr>
+    <cs:defRPr sz="1000" kern="1200"/>
+  </cs:chartArea>
+  <cs:dataLabel>
+    <cs:lnRef idx="0"/>
+    <cs:fillRef idx="0"/>
+    <cs:effectRef idx="0"/>
+    <cs:fontRef idx="minor">
+      <a:schemeClr val="tx1">
+        <a:lumMod val="75000"/>
+        <a:lumOff val="25000"/>
+      </a:schemeClr>
+    </cs:fontRef>
+    <cs:defRPr sz="900" kern="1200"/>
+  </cs:dataLabel>
+  <cs:dataLabelCallout>
+    <cs:lnRef idx="0"/>
+    <cs:fillRef idx="0"/>
+    <cs:effectRef idx="0"/>
+    <cs:fontRef idx="minor">
+      <a:schemeClr val="dk1">
+        <a:lumMod val="65000"/>
+        <a:lumOff val="35000"/>
+      </a:schemeClr>
+    </cs:fontRef>
+    <cs:spPr>
+      <a:solidFill>
+        <a:schemeClr val="lt1"/>
+      </a:solidFill>
+      <a:ln>
+        <a:solidFill>
+          <a:schemeClr val="dk1">
+            <a:lumMod val="25000"/>
+            <a:lumOff val="75000"/>
+          </a:schemeClr>
+        </a:solidFill>
+      </a:ln>
+    </cs:spPr>
+    <cs:defRPr sz="900" kern="1200"/>
+    <cs:bodyPr rot="0" spcFirstLastPara="1" vertOverflow="clip" horzOverflow="clip" vert="horz" wrap="square" lIns="36576" tIns="18288" rIns="36576" bIns="18288" anchor="ctr" anchorCtr="1">
+      <a:spAutoFit/>
+    </cs:bodyPr>
+  </cs:dataLabelCallout>
+  <cs:dataPoint>
+    <cs:lnRef idx="0"/>
+    <cs:fillRef idx="1">
+      <cs:styleClr val="auto"/>
+    </cs:fillRef>
+    <cs:effectRef idx="0"/>
+    <cs:fontRef idx="minor">
+      <a:schemeClr val="tx1"/>
+    </cs:fontRef>
+    <cs:spPr>
+      <a:solidFill>
+        <a:schemeClr val="phClr"/>
+      </a:solidFill>
+    </cs:spPr>
+  </cs:dataPoint>
+  <cs:dataPoint3D>
+    <cs:lnRef idx="0"/>
+    <cs:fillRef idx="1">
+      <cs:styleClr val="auto"/>
+    </cs:fillRef>
+    <cs:effectRef idx="0"/>
+    <cs:fontRef idx="minor">
+      <a:schemeClr val="tx1"/>
+    </cs:fontRef>
+    <cs:spPr>
+      <a:solidFill>
+        <a:schemeClr val="phClr"/>
+      </a:solidFill>
+    </cs:spPr>
+  </cs:dataPoint3D>
+  <cs:dataPointLine>
+    <cs:lnRef idx="0">
+      <cs:styleClr val="auto"/>
+    </cs:lnRef>
+    <cs:fillRef idx="1"/>
+    <cs:effectRef idx="0"/>
+    <cs:fontRef idx="minor">
+      <a:schemeClr val="tx1"/>
+    </cs:fontRef>
+    <cs:spPr>
+      <a:ln w="28575" cap="rnd">
+        <a:solidFill>
+          <a:schemeClr val="phClr"/>
+        </a:solidFill>
+        <a:round/>
+      </a:ln>
+    </cs:spPr>
+  </cs:dataPointLine>
+  <cs:dataPointMarker>
+    <cs:lnRef idx="0">
+      <cs:styleClr val="auto"/>
+    </cs:lnRef>
+    <cs:fillRef idx="1">
+      <cs:styleClr val="auto"/>
+    </cs:fillRef>
+    <cs:effectRef idx="0"/>
+    <cs:fontRef idx="minor">
+      <a:schemeClr val="tx1"/>
+    </cs:fontRef>
+    <cs:spPr>
+      <a:solidFill>
+        <a:schemeClr val="phClr"/>
+      </a:solidFill>
+      <a:ln w="9525">
+        <a:solidFill>
+          <a:schemeClr val="phClr"/>
+        </a:solidFill>
+      </a:ln>
+    </cs:spPr>
+  </cs:dataPointMarker>
+  <cs:dataPointMarkerLayout symbol="circle" size="5"/>
+  <cs:dataPointWireframe>
+    <cs:lnRef idx="0">
+      <cs:styleClr val="auto"/>
+    </cs:lnRef>
+    <cs:fillRef idx="1"/>
+    <cs:effectRef idx="0"/>
+    <cs:fontRef idx="minor">
+      <a:schemeClr val="tx1"/>
+    </cs:fontRef>
+    <cs:spPr>
+      <a:ln w="9525" cap="rnd">
+        <a:solidFill>
+          <a:schemeClr val="phClr"/>
+        </a:solidFill>
+        <a:round/>
+      </a:ln>
+    </cs:spPr>
+  </cs:dataPointWireframe>
+  <cs:dataTable>
+    <cs:lnRef idx="0"/>
+    <cs:fillRef idx="0"/>
+    <cs:effectRef idx="0"/>
+    <cs:fontRef idx="minor">
+      <a:schemeClr val="tx1">
+        <a:lumMod val="65000"/>
+        <a:lumOff val="35000"/>
+      </a:schemeClr>
+    </cs:fontRef>
+    <cs:spPr>
+      <a:noFill/>
+      <a:ln w="9525" cap="flat" cmpd="sng" algn="ctr">
+        <a:solidFill>
+          <a:schemeClr val="tx1">
+            <a:lumMod val="15000"/>
+            <a:lumOff val="85000"/>
+          </a:schemeClr>
+        </a:solidFill>
+        <a:round/>
+      </a:ln>
+    </cs:spPr>
+    <cs:defRPr sz="900" kern="1200"/>
+  </cs:dataTable>
+  <cs:downBar>
+    <cs:lnRef idx="0"/>
+    <cs:fillRef idx="0"/>
+    <cs:effectRef idx="0"/>
+    <cs:fontRef idx="minor">
+      <a:schemeClr val="dk1"/>
+    </cs:fontRef>
+    <cs:spPr>
+      <a:solidFill>
+        <a:schemeClr val="dk1">
+          <a:lumMod val="65000"/>
+          <a:lumOff val="35000"/>
+        </a:schemeClr>
+      </a:solidFill>
+      <a:ln w="9525">
+        <a:solidFill>
+          <a:schemeClr val="tx1">
+            <a:lumMod val="65000"/>
+            <a:lumOff val="35000"/>
+          </a:schemeClr>
+        </a:solidFill>
+      </a:ln>
+    </cs:spPr>
+  </cs:downBar>
+  <cs:dropLine>
+    <cs:lnRef idx="0"/>
+    <cs:fillRef idx="0"/>
+    <cs:effectRef idx="0"/>
+    <cs:fontRef idx="minor">
+      <a:schemeClr val="tx1"/>
+    </cs:fontRef>
+    <cs:spPr>
+      <a:ln w="9525" cap="flat" cmpd="sng" algn="ctr">
+        <a:solidFill>
+          <a:schemeClr val="tx1">
+            <a:lumMod val="35000"/>
+            <a:lumOff val="65000"/>
+          </a:schemeClr>
+        </a:solidFill>
+        <a:round/>
+      </a:ln>
+    </cs:spPr>
+  </cs:dropLine>
+  <cs:errorBar>
+    <cs:lnRef idx="0"/>
+    <cs:fillRef idx="0"/>
+    <cs:effectRef idx="0"/>
+    <cs:fontRef idx="minor">
+      <a:schemeClr val="tx1"/>
+    </cs:fontRef>
+    <cs:spPr>
+      <a:ln w="9525" cap="flat" cmpd="sng" algn="ctr">
+        <a:solidFill>
+          <a:schemeClr val="tx1">
+            <a:lumMod val="65000"/>
+            <a:lumOff val="35000"/>
+          </a:schemeClr>
+        </a:solidFill>
+        <a:round/>
+      </a:ln>
+    </cs:spPr>
+  </cs:errorBar>
+  <cs:floor>
+    <cs:lnRef idx="0"/>
+    <cs:fillRef idx="0"/>
+    <cs:effectRef idx="0"/>
+    <cs:fontRef idx="minor">
+      <a:schemeClr val="tx1"/>
+    </cs:fontRef>
+    <cs:spPr>
+      <a:noFill/>
+      <a:ln>
+        <a:noFill/>
+      </a:ln>
+    </cs:spPr>
+  </cs:floor>
+  <cs:gridlineMajor>
+    <cs:lnRef idx="0"/>
+    <cs:fillRef idx="0"/>
+    <cs:effectRef idx="0"/>
+    <cs:fontRef idx="minor">
+      <a:schemeClr val="tx1"/>
+    </cs:fontRef>
+    <cs:spPr>
+      <a:ln w="9525" cap="flat" cmpd="sng" algn="ctr">
+        <a:solidFill>
+          <a:schemeClr val="tx1">
+            <a:lumMod val="15000"/>
+            <a:lumOff val="85000"/>
+          </a:schemeClr>
+        </a:solidFill>
+        <a:round/>
+      </a:ln>
+    </cs:spPr>
+  </cs:gridlineMajor>
+  <cs:gridlineMinor>
+    <cs:lnRef idx="0"/>
+    <cs:fillRef idx="0"/>
+    <cs:effectRef idx="0"/>
+    <cs:fontRef idx="minor">
+      <a:schemeClr val="tx1"/>
+    </cs:fontRef>
+    <cs:spPr>
+      <a:ln w="9525" cap="flat" cmpd="sng" algn="ctr">
+        <a:solidFill>
+          <a:schemeClr val="tx1">
+            <a:lumMod val="5000"/>
+            <a:lumOff val="95000"/>
+          </a:schemeClr>
+        </a:solidFill>
+        <a:round/>
+      </a:ln>
+    </cs:spPr>
+  </cs:gridlineMinor>
+  <cs:hiLoLine>
+    <cs:lnRef idx="0"/>
+    <cs:fillRef idx="0"/>
+    <cs:effectRef idx="0"/>
+    <cs:fontRef idx="minor">
+      <a:schemeClr val="tx1"/>
+    </cs:fontRef>
+    <cs:spPr>
+      <a:ln w="9525" cap="flat" cmpd="sng" algn="ctr">
+        <a:solidFill>
+          <a:schemeClr val="tx1">
+            <a:lumMod val="75000"/>
+            <a:lumOff val="25000"/>
+          </a:schemeClr>
+        </a:solidFill>
+        <a:round/>
+      </a:ln>
+    </cs:spPr>
+  </cs:hiLoLine>
+  <cs:leaderLine>
+    <cs:lnRef idx="0"/>
+    <cs:fillRef idx="0"/>
+    <cs:effectRef idx="0"/>
+    <cs:fontRef idx="minor">
+      <a:schemeClr val="tx1"/>
+    </cs:fontRef>
+    <cs:spPr>
+      <a:ln w="9525" cap="flat" cmpd="sng" algn="ctr">
+        <a:solidFill>
+          <a:schemeClr val="tx1">
+            <a:lumMod val="35000"/>
+            <a:lumOff val="65000"/>
+          </a:schemeClr>
+        </a:solidFill>
+        <a:round/>
+      </a:ln>
+    </cs:spPr>
+  </cs:leaderLine>
+  <cs:legend>
+    <cs:lnRef idx="0"/>
+    <cs:fillRef idx="0"/>
+    <cs:effectRef idx="0"/>
+    <cs:fontRef idx="minor">
+      <a:schemeClr val="tx1">
+        <a:lumMod val="65000"/>
+        <a:lumOff val="35000"/>
+      </a:schemeClr>
+    </cs:fontRef>
+    <cs:defRPr sz="900" kern="1200"/>
+  </cs:legend>
+  <cs:plotArea mods="allowNoFillOverride allowNoLineOverride">
+    <cs:lnRef idx="0"/>
+    <cs:fillRef idx="0"/>
+    <cs:effectRef idx="0"/>
+    <cs:fontRef idx="minor">
+      <a:schemeClr val="tx1"/>
+    </cs:fontRef>
+  </cs:plotArea>
+  <cs:plotArea3D mods="allowNoFillOverride allowNoLineOverride">
+    <cs:lnRef idx="0"/>
+    <cs:fillRef idx="0"/>
+    <cs:effectRef idx="0"/>
+    <cs:fontRef idx="minor">
+      <a:schemeClr val="tx1"/>
+    </cs:fontRef>
+  </cs:plotArea3D>
+  <cs:seriesAxis>
+    <cs:lnRef idx="0"/>
+    <cs:fillRef idx="0"/>
+    <cs:effectRef idx="0"/>
+    <cs:fontRef idx="minor">
+      <a:schemeClr val="tx1">
+        <a:lumMod val="65000"/>
+        <a:lumOff val="35000"/>
+      </a:schemeClr>
+    </cs:fontRef>
+    <cs:defRPr sz="900" kern="1200"/>
+  </cs:seriesAxis>
+  <cs:seriesLine>
+    <cs:lnRef idx="0"/>
+    <cs:fillRef idx="0"/>
+    <cs:effectRef idx="0"/>
+    <cs:fontRef idx="minor">
+      <a:schemeClr val="tx1"/>
+    </cs:fontRef>
+    <cs:spPr>
+      <a:ln w="9525" cap="flat" cmpd="sng" algn="ctr">
+        <a:solidFill>
+          <a:schemeClr val="tx1">
+            <a:lumMod val="35000"/>
+            <a:lumOff val="65000"/>
+          </a:schemeClr>
+        </a:solidFill>
+        <a:round/>
+      </a:ln>
+    </cs:spPr>
+  </cs:seriesLine>
+  <cs:title>
+    <cs:lnRef idx="0"/>
+    <cs:fillRef idx="0"/>
+    <cs:effectRef idx="0"/>
+    <cs:fontRef idx="minor">
+      <a:schemeClr val="tx1">
+        <a:lumMod val="65000"/>
+        <a:lumOff val="35000"/>
+      </a:schemeClr>
+    </cs:fontRef>
+    <cs:defRPr sz="1400" b="0" kern="1200" spc="0" baseline="0"/>
+  </cs:title>
+  <cs:trendline>
+    <cs:lnRef idx="0">
+      <cs:styleClr val="auto"/>
+    </cs:lnRef>
+    <cs:fillRef idx="0"/>
+    <cs:effectRef idx="0"/>
+    <cs:fontRef idx="minor">
+      <a:schemeClr val="tx1"/>
+    </cs:fontRef>
+    <cs:spPr>
+      <a:ln w="19050" cap="rnd">
+        <a:solidFill>
+          <a:schemeClr val="phClr"/>
+        </a:solidFill>
+        <a:prstDash val="sysDot"/>
+      </a:ln>
+    </cs:spPr>
+  </cs:trendline>
+  <cs:trendlineLabel>
+    <cs:lnRef idx="0"/>
+    <cs:fillRef idx="0"/>
+    <cs:effectRef idx="0"/>
+    <cs:fontRef idx="minor">
+      <a:schemeClr val="tx1">
+        <a:lumMod val="65000"/>
+        <a:lumOff val="35000"/>
+      </a:schemeClr>
+    </cs:fontRef>
+    <cs:defRPr sz="900" kern="1200"/>
+  </cs:trendlineLabel>
+  <cs:upBar>
+    <cs:lnRef idx="0"/>
+    <cs:fillRef idx="0"/>
+    <cs:effectRef idx="0"/>
+    <cs:fontRef idx="minor">
+      <a:schemeClr val="dk1"/>
+    </cs:fontRef>
+    <cs:spPr>
+      <a:solidFill>
+        <a:schemeClr val="lt1"/>
+      </a:solidFill>
+      <a:ln w="9525">
+        <a:solidFill>
+          <a:schemeClr val="tx1">
+            <a:lumMod val="15000"/>
+            <a:lumOff val="85000"/>
+          </a:schemeClr>
+        </a:solidFill>
+      </a:ln>
+    </cs:spPr>
+  </cs:upBar>
+  <cs:valueAxis>
+    <cs:lnRef idx="0"/>
+    <cs:fillRef idx="0"/>
+    <cs:effectRef idx="0"/>
+    <cs:fontRef idx="minor">
+      <a:schemeClr val="tx1">
+        <a:lumMod val="65000"/>
+        <a:lumOff val="35000"/>
+      </a:schemeClr>
+    </cs:fontRef>
+    <cs:defRPr sz="900" kern="1200"/>
+  </cs:valueAxis>
+  <cs:wall>
+    <cs:lnRef idx="0"/>
+    <cs:fillRef idx="0"/>
+    <cs:effectRef idx="0"/>
+    <cs:fontRef idx="minor">
+      <a:schemeClr val="tx1"/>
+    </cs:fontRef>
+    <cs:spPr>
+      <a:noFill/>
+      <a:ln>
+        <a:noFill/>
+      </a:ln>
+    </cs:spPr>
+  </cs:wall>
+</cs:chartStyle>
 </file>
 
 <file path=ppt/slideLayouts/slideLayout1.xml><?xml version="1.0" encoding="utf-8"?>
@@ -261,7 +2195,7 @@
           <a:p>
             <a:fld id="{553058C3-0095-4DD8-94E2-5F98981A6085}" type="datetimeFigureOut">
               <a:rPr lang="en-AU" smtClean="0"/>
-              <a:t>02/12/2021</a:t>
+              <a:t>2/12/2021</a:t>
             </a:fld>
             <a:endParaRPr lang="en-AU"/>
           </a:p>
@@ -461,7 +2395,7 @@
           <a:p>
             <a:fld id="{553058C3-0095-4DD8-94E2-5F98981A6085}" type="datetimeFigureOut">
               <a:rPr lang="en-AU" smtClean="0"/>
-              <a:t>02/12/2021</a:t>
+              <a:t>2/12/2021</a:t>
             </a:fld>
             <a:endParaRPr lang="en-AU"/>
           </a:p>
@@ -671,7 +2605,7 @@
           <a:p>
             <a:fld id="{553058C3-0095-4DD8-94E2-5F98981A6085}" type="datetimeFigureOut">
               <a:rPr lang="en-AU" smtClean="0"/>
-              <a:t>02/12/2021</a:t>
+              <a:t>2/12/2021</a:t>
             </a:fld>
             <a:endParaRPr lang="en-AU"/>
           </a:p>
@@ -871,7 +2805,7 @@
           <a:p>
             <a:fld id="{553058C3-0095-4DD8-94E2-5F98981A6085}" type="datetimeFigureOut">
               <a:rPr lang="en-AU" smtClean="0"/>
-              <a:t>02/12/2021</a:t>
+              <a:t>2/12/2021</a:t>
             </a:fld>
             <a:endParaRPr lang="en-AU"/>
           </a:p>
@@ -1147,7 +3081,7 @@
           <a:p>
             <a:fld id="{553058C3-0095-4DD8-94E2-5F98981A6085}" type="datetimeFigureOut">
               <a:rPr lang="en-AU" smtClean="0"/>
-              <a:t>02/12/2021</a:t>
+              <a:t>2/12/2021</a:t>
             </a:fld>
             <a:endParaRPr lang="en-AU"/>
           </a:p>
@@ -1415,7 +3349,7 @@
           <a:p>
             <a:fld id="{553058C3-0095-4DD8-94E2-5F98981A6085}" type="datetimeFigureOut">
               <a:rPr lang="en-AU" smtClean="0"/>
-              <a:t>02/12/2021</a:t>
+              <a:t>2/12/2021</a:t>
             </a:fld>
             <a:endParaRPr lang="en-AU"/>
           </a:p>
@@ -1830,7 +3764,7 @@
           <a:p>
             <a:fld id="{553058C3-0095-4DD8-94E2-5F98981A6085}" type="datetimeFigureOut">
               <a:rPr lang="en-AU" smtClean="0"/>
-              <a:t>02/12/2021</a:t>
+              <a:t>2/12/2021</a:t>
             </a:fld>
             <a:endParaRPr lang="en-AU"/>
           </a:p>
@@ -1972,7 +3906,7 @@
           <a:p>
             <a:fld id="{553058C3-0095-4DD8-94E2-5F98981A6085}" type="datetimeFigureOut">
               <a:rPr lang="en-AU" smtClean="0"/>
-              <a:t>02/12/2021</a:t>
+              <a:t>2/12/2021</a:t>
             </a:fld>
             <a:endParaRPr lang="en-AU"/>
           </a:p>
@@ -2085,7 +4019,7 @@
           <a:p>
             <a:fld id="{553058C3-0095-4DD8-94E2-5F98981A6085}" type="datetimeFigureOut">
               <a:rPr lang="en-AU" smtClean="0"/>
-              <a:t>02/12/2021</a:t>
+              <a:t>2/12/2021</a:t>
             </a:fld>
             <a:endParaRPr lang="en-AU"/>
           </a:p>
@@ -2398,7 +4332,7 @@
           <a:p>
             <a:fld id="{553058C3-0095-4DD8-94E2-5F98981A6085}" type="datetimeFigureOut">
               <a:rPr lang="en-AU" smtClean="0"/>
-              <a:t>02/12/2021</a:t>
+              <a:t>2/12/2021</a:t>
             </a:fld>
             <a:endParaRPr lang="en-AU"/>
           </a:p>
@@ -2687,7 +4621,7 @@
           <a:p>
             <a:fld id="{553058C3-0095-4DD8-94E2-5F98981A6085}" type="datetimeFigureOut">
               <a:rPr lang="en-AU" smtClean="0"/>
-              <a:t>02/12/2021</a:t>
+              <a:t>2/12/2021</a:t>
             </a:fld>
             <a:endParaRPr lang="en-AU"/>
           </a:p>
@@ -2930,7 +4864,7 @@
           <a:p>
             <a:fld id="{553058C3-0095-4DD8-94E2-5F98981A6085}" type="datetimeFigureOut">
               <a:rPr lang="en-AU" smtClean="0"/>
-              <a:t>02/12/2021</a:t>
+              <a:t>2/12/2021</a:t>
             </a:fld>
             <a:endParaRPr lang="en-AU"/>
           </a:p>
@@ -3747,6 +5681,288 @@
           <p:cNvPr id="2" name="Title 1">
             <a:extLst>
               <a:ext uri="{FF2B5EF4-FFF2-40B4-BE49-F238E27FC236}">
+                <a16:creationId xmlns:a16="http://schemas.microsoft.com/office/drawing/2014/main" id="{D603A195-77E4-4BED-AB6B-247FDEA371BB}"/>
+              </a:ext>
+            </a:extLst>
+          </p:cNvPr>
+          <p:cNvSpPr>
+            <a:spLocks noGrp="1"/>
+          </p:cNvSpPr>
+          <p:nvPr>
+            <p:ph type="title"/>
+          </p:nvPr>
+        </p:nvSpPr>
+        <p:spPr/>
+        <p:txBody>
+          <a:bodyPr/>
+          <a:lstStyle/>
+          <a:p>
+            <a:r>
+              <a:rPr lang="en-AU" dirty="0"/>
+              <a:t>Occurrence model</a:t>
+            </a:r>
+          </a:p>
+        </p:txBody>
+      </p:sp>
+      <p:pic>
+        <p:nvPicPr>
+          <p:cNvPr id="5" name="Content Placeholder 4">
+            <a:extLst>
+              <a:ext uri="{FF2B5EF4-FFF2-40B4-BE49-F238E27FC236}">
+                <a16:creationId xmlns:a16="http://schemas.microsoft.com/office/drawing/2014/main" id="{A0BE4C04-CCB0-428E-8ECA-1F77B63942A1}"/>
+              </a:ext>
+            </a:extLst>
+          </p:cNvPr>
+          <p:cNvPicPr>
+            <a:picLocks noGrp="1" noChangeAspect="1"/>
+          </p:cNvPicPr>
+          <p:nvPr>
+            <p:ph idx="1"/>
+          </p:nvPr>
+        </p:nvPicPr>
+        <p:blipFill>
+          <a:blip r:embed="rId2"/>
+          <a:stretch>
+            <a:fillRect/>
+          </a:stretch>
+        </p:blipFill>
+        <p:spPr>
+          <a:xfrm>
+            <a:off x="355932" y="1519509"/>
+            <a:ext cx="3944470" cy="4351338"/>
+          </a:xfrm>
+        </p:spPr>
+      </p:pic>
+      <p:pic>
+        <p:nvPicPr>
+          <p:cNvPr id="7" name="Picture 6">
+            <a:extLst>
+              <a:ext uri="{FF2B5EF4-FFF2-40B4-BE49-F238E27FC236}">
+                <a16:creationId xmlns:a16="http://schemas.microsoft.com/office/drawing/2014/main" id="{0F91D5D2-F617-4C6C-BC66-4E6086A54689}"/>
+              </a:ext>
+            </a:extLst>
+          </p:cNvPr>
+          <p:cNvPicPr>
+            <a:picLocks noChangeAspect="1"/>
+          </p:cNvPicPr>
+          <p:nvPr/>
+        </p:nvPicPr>
+        <p:blipFill>
+          <a:blip r:embed="rId3"/>
+          <a:stretch>
+            <a:fillRect/>
+          </a:stretch>
+        </p:blipFill>
+        <p:spPr>
+          <a:xfrm>
+            <a:off x="4552437" y="1519509"/>
+            <a:ext cx="7353300" cy="3609975"/>
+          </a:xfrm>
+          <a:prstGeom prst="rect">
+            <a:avLst/>
+          </a:prstGeom>
+        </p:spPr>
+      </p:pic>
+      <p:sp>
+        <p:nvSpPr>
+          <p:cNvPr id="8" name="TextBox 7">
+            <a:extLst>
+              <a:ext uri="{FF2B5EF4-FFF2-40B4-BE49-F238E27FC236}">
+                <a16:creationId xmlns:a16="http://schemas.microsoft.com/office/drawing/2014/main" id="{64A7154E-1EC7-4D45-8929-BCEE74EEFBD4}"/>
+              </a:ext>
+            </a:extLst>
+          </p:cNvPr>
+          <p:cNvSpPr txBox="1"/>
+          <p:nvPr/>
+        </p:nvSpPr>
+        <p:spPr>
+          <a:xfrm>
+            <a:off x="4685212" y="5313635"/>
+            <a:ext cx="1650452" cy="369332"/>
+          </a:xfrm>
+          <a:prstGeom prst="rect">
+            <a:avLst/>
+          </a:prstGeom>
+          <a:noFill/>
+        </p:spPr>
+        <p:txBody>
+          <a:bodyPr wrap="none" rtlCol="0">
+            <a:spAutoFit/>
+          </a:bodyPr>
+          <a:lstStyle/>
+          <a:p>
+            <a:r>
+              <a:rPr lang="en-AU" b="1" dirty="0"/>
+              <a:t>Threshold = 0.1</a:t>
+            </a:r>
+          </a:p>
+        </p:txBody>
+      </p:sp>
+      <p:sp>
+        <p:nvSpPr>
+          <p:cNvPr id="9" name="TextBox 8">
+            <a:extLst>
+              <a:ext uri="{FF2B5EF4-FFF2-40B4-BE49-F238E27FC236}">
+                <a16:creationId xmlns:a16="http://schemas.microsoft.com/office/drawing/2014/main" id="{BE071D45-50BB-4579-9ACB-DB309A3270E8}"/>
+              </a:ext>
+            </a:extLst>
+          </p:cNvPr>
+          <p:cNvSpPr txBox="1"/>
+          <p:nvPr/>
+        </p:nvSpPr>
+        <p:spPr>
+          <a:xfrm>
+            <a:off x="7403861" y="5313635"/>
+            <a:ext cx="1472519" cy="369332"/>
+          </a:xfrm>
+          <a:prstGeom prst="rect">
+            <a:avLst/>
+          </a:prstGeom>
+          <a:noFill/>
+        </p:spPr>
+        <p:txBody>
+          <a:bodyPr wrap="none" rtlCol="0">
+            <a:spAutoFit/>
+          </a:bodyPr>
+          <a:lstStyle/>
+          <a:p>
+            <a:r>
+              <a:rPr lang="en-AU" b="1" dirty="0"/>
+              <a:t>Threshold = 0</a:t>
+            </a:r>
+          </a:p>
+        </p:txBody>
+      </p:sp>
+      <p:sp>
+        <p:nvSpPr>
+          <p:cNvPr id="10" name="TextBox 9">
+            <a:extLst>
+              <a:ext uri="{FF2B5EF4-FFF2-40B4-BE49-F238E27FC236}">
+                <a16:creationId xmlns:a16="http://schemas.microsoft.com/office/drawing/2014/main" id="{DF28ED73-9AB5-4715-BB8E-FB53D51EAE58}"/>
+              </a:ext>
+            </a:extLst>
+          </p:cNvPr>
+          <p:cNvSpPr txBox="1"/>
+          <p:nvPr/>
+        </p:nvSpPr>
+        <p:spPr>
+          <a:xfrm>
+            <a:off x="10456216" y="5313635"/>
+            <a:ext cx="1175130" cy="369332"/>
+          </a:xfrm>
+          <a:prstGeom prst="rect">
+            <a:avLst/>
+          </a:prstGeom>
+          <a:noFill/>
+        </p:spPr>
+        <p:txBody>
+          <a:bodyPr wrap="none" rtlCol="0">
+            <a:spAutoFit/>
+          </a:bodyPr>
+          <a:lstStyle/>
+          <a:p>
+            <a:r>
+              <a:rPr lang="en-AU" b="1" dirty="0"/>
+              <a:t>Difference</a:t>
+            </a:r>
+          </a:p>
+        </p:txBody>
+      </p:sp>
+      <p:graphicFrame>
+        <p:nvGraphicFramePr>
+          <p:cNvPr id="11" name="Chart 10">
+            <a:extLst>
+              <a:ext uri="{FF2B5EF4-FFF2-40B4-BE49-F238E27FC236}">
+                <a16:creationId xmlns:a16="http://schemas.microsoft.com/office/drawing/2014/main" id="{51E93C9D-61F4-4D6D-84CA-75F3DC85CED9}"/>
+              </a:ext>
+            </a:extLst>
+          </p:cNvPr>
+          <p:cNvGraphicFramePr>
+            <a:graphicFrameLocks/>
+          </p:cNvGraphicFramePr>
+          <p:nvPr>
+            <p:extLst>
+              <p:ext uri="{D42A27DB-BD31-4B8C-83A1-F6EECF244321}">
+                <p14:modId xmlns:p14="http://schemas.microsoft.com/office/powerpoint/2010/main" val="2620101686"/>
+              </p:ext>
+            </p:extLst>
+          </p:nvPr>
+        </p:nvGraphicFramePr>
+        <p:xfrm>
+          <a:off x="1458142" y="2409167"/>
+          <a:ext cx="4572000" cy="2743200"/>
+        </p:xfrm>
+        <a:graphic>
+          <a:graphicData uri="http://schemas.openxmlformats.org/drawingml/2006/chart">
+            <c:chart xmlns:c="http://schemas.openxmlformats.org/drawingml/2006/chart" xmlns:r="http://schemas.openxmlformats.org/officeDocument/2006/relationships" r:id="rId4"/>
+          </a:graphicData>
+        </a:graphic>
+      </p:graphicFrame>
+      <p:graphicFrame>
+        <p:nvGraphicFramePr>
+          <p:cNvPr id="12" name="Chart 11">
+            <a:extLst>
+              <a:ext uri="{FF2B5EF4-FFF2-40B4-BE49-F238E27FC236}">
+                <a16:creationId xmlns:a16="http://schemas.microsoft.com/office/drawing/2014/main" id="{C7C5C5F3-D0D5-45A0-B6D7-2F78D0C83F27}"/>
+              </a:ext>
+            </a:extLst>
+          </p:cNvPr>
+          <p:cNvGraphicFramePr>
+            <a:graphicFrameLocks/>
+          </p:cNvGraphicFramePr>
+          <p:nvPr>
+            <p:extLst>
+              <p:ext uri="{D42A27DB-BD31-4B8C-83A1-F6EECF244321}">
+                <p14:modId xmlns:p14="http://schemas.microsoft.com/office/powerpoint/2010/main" val="2971931269"/>
+              </p:ext>
+            </p:extLst>
+          </p:nvPr>
+        </p:nvGraphicFramePr>
+        <p:xfrm>
+          <a:off x="6282177" y="2409167"/>
+          <a:ext cx="4572000" cy="2743200"/>
+        </p:xfrm>
+        <a:graphic>
+          <a:graphicData uri="http://schemas.openxmlformats.org/drawingml/2006/chart">
+            <c:chart xmlns:c="http://schemas.openxmlformats.org/drawingml/2006/chart" xmlns:r="http://schemas.openxmlformats.org/officeDocument/2006/relationships" r:id="rId5"/>
+          </a:graphicData>
+        </a:graphic>
+      </p:graphicFrame>
+    </p:spTree>
+    <p:extLst>
+      <p:ext uri="{BB962C8B-B14F-4D97-AF65-F5344CB8AC3E}">
+        <p14:creationId xmlns:p14="http://schemas.microsoft.com/office/powerpoint/2010/main" val="3604950619"/>
+      </p:ext>
+    </p:extLst>
+  </p:cSld>
+  <p:clrMapOvr>
+    <a:masterClrMapping/>
+  </p:clrMapOvr>
+</p:sld>
+</file>
+
+<file path=ppt/slides/slide5.xml><?xml version="1.0" encoding="utf-8"?>
+<p:sld xmlns:a="http://schemas.openxmlformats.org/drawingml/2006/main" xmlns:r="http://schemas.openxmlformats.org/officeDocument/2006/relationships" xmlns:p="http://schemas.openxmlformats.org/presentationml/2006/main">
+  <p:cSld>
+    <p:spTree>
+      <p:nvGrpSpPr>
+        <p:cNvPr id="1" name=""/>
+        <p:cNvGrpSpPr/>
+        <p:nvPr/>
+      </p:nvGrpSpPr>
+      <p:grpSpPr>
+        <a:xfrm>
+          <a:off x="0" y="0"/>
+          <a:ext cx="0" cy="0"/>
+          <a:chOff x="0" y="0"/>
+          <a:chExt cx="0" cy="0"/>
+        </a:xfrm>
+      </p:grpSpPr>
+      <p:sp>
+        <p:nvSpPr>
+          <p:cNvPr id="2" name="Title 1">
+            <a:extLst>
+              <a:ext uri="{FF2B5EF4-FFF2-40B4-BE49-F238E27FC236}">
                 <a16:creationId xmlns:a16="http://schemas.microsoft.com/office/drawing/2014/main" id="{86644C61-9B17-49FB-82AB-6B9D2557B2CD}"/>
               </a:ext>
             </a:extLst>
@@ -4115,7 +6331,7 @@
 </p:sld>
 </file>
 
-<file path=ppt/slides/slide5.xml><?xml version="1.0" encoding="utf-8"?>
+<file path=ppt/slides/slide6.xml><?xml version="1.0" encoding="utf-8"?>
 <p:sld xmlns:a="http://schemas.openxmlformats.org/drawingml/2006/main" xmlns:r="http://schemas.openxmlformats.org/officeDocument/2006/relationships" xmlns:p="http://schemas.openxmlformats.org/presentationml/2006/main">
   <p:cSld>
     <p:spTree>
@@ -4195,7 +6411,7 @@
 </p:sld>
 </file>
 
-<file path=ppt/slides/slide6.xml><?xml version="1.0" encoding="utf-8"?>
+<file path=ppt/slides/slide7.xml><?xml version="1.0" encoding="utf-8"?>
 <p:sld xmlns:a="http://schemas.openxmlformats.org/drawingml/2006/main" xmlns:r="http://schemas.openxmlformats.org/officeDocument/2006/relationships" xmlns:p="http://schemas.openxmlformats.org/presentationml/2006/main">
   <p:cSld>
     <p:spTree>

--- a/Meeting 29.pptx
+++ b/Meeting 29.pptx
@@ -11,7 +11,6 @@
     <p:sldId id="262" r:id="rId5"/>
     <p:sldId id="259" r:id="rId6"/>
     <p:sldId id="260" r:id="rId7"/>
-    <p:sldId id="261" r:id="rId8"/>
   </p:sldIdLst>
   <p:sldSz cx="12192000" cy="6858000"/>
   <p:notesSz cx="6858000" cy="9144000"/>
@@ -2195,7 +2194,7 @@
           <a:p>
             <a:fld id="{553058C3-0095-4DD8-94E2-5F98981A6085}" type="datetimeFigureOut">
               <a:rPr lang="en-AU" smtClean="0"/>
-              <a:t>2/12/2021</a:t>
+              <a:t>03/12/2021</a:t>
             </a:fld>
             <a:endParaRPr lang="en-AU"/>
           </a:p>
@@ -2395,7 +2394,7 @@
           <a:p>
             <a:fld id="{553058C3-0095-4DD8-94E2-5F98981A6085}" type="datetimeFigureOut">
               <a:rPr lang="en-AU" smtClean="0"/>
-              <a:t>2/12/2021</a:t>
+              <a:t>03/12/2021</a:t>
             </a:fld>
             <a:endParaRPr lang="en-AU"/>
           </a:p>
@@ -2605,7 +2604,7 @@
           <a:p>
             <a:fld id="{553058C3-0095-4DD8-94E2-5F98981A6085}" type="datetimeFigureOut">
               <a:rPr lang="en-AU" smtClean="0"/>
-              <a:t>2/12/2021</a:t>
+              <a:t>03/12/2021</a:t>
             </a:fld>
             <a:endParaRPr lang="en-AU"/>
           </a:p>
@@ -2805,7 +2804,7 @@
           <a:p>
             <a:fld id="{553058C3-0095-4DD8-94E2-5F98981A6085}" type="datetimeFigureOut">
               <a:rPr lang="en-AU" smtClean="0"/>
-              <a:t>2/12/2021</a:t>
+              <a:t>03/12/2021</a:t>
             </a:fld>
             <a:endParaRPr lang="en-AU"/>
           </a:p>
@@ -3081,7 +3080,7 @@
           <a:p>
             <a:fld id="{553058C3-0095-4DD8-94E2-5F98981A6085}" type="datetimeFigureOut">
               <a:rPr lang="en-AU" smtClean="0"/>
-              <a:t>2/12/2021</a:t>
+              <a:t>03/12/2021</a:t>
             </a:fld>
             <a:endParaRPr lang="en-AU"/>
           </a:p>
@@ -3349,7 +3348,7 @@
           <a:p>
             <a:fld id="{553058C3-0095-4DD8-94E2-5F98981A6085}" type="datetimeFigureOut">
               <a:rPr lang="en-AU" smtClean="0"/>
-              <a:t>2/12/2021</a:t>
+              <a:t>03/12/2021</a:t>
             </a:fld>
             <a:endParaRPr lang="en-AU"/>
           </a:p>
@@ -3764,7 +3763,7 @@
           <a:p>
             <a:fld id="{553058C3-0095-4DD8-94E2-5F98981A6085}" type="datetimeFigureOut">
               <a:rPr lang="en-AU" smtClean="0"/>
-              <a:t>2/12/2021</a:t>
+              <a:t>03/12/2021</a:t>
             </a:fld>
             <a:endParaRPr lang="en-AU"/>
           </a:p>
@@ -3906,7 +3905,7 @@
           <a:p>
             <a:fld id="{553058C3-0095-4DD8-94E2-5F98981A6085}" type="datetimeFigureOut">
               <a:rPr lang="en-AU" smtClean="0"/>
-              <a:t>2/12/2021</a:t>
+              <a:t>03/12/2021</a:t>
             </a:fld>
             <a:endParaRPr lang="en-AU"/>
           </a:p>
@@ -4019,7 +4018,7 @@
           <a:p>
             <a:fld id="{553058C3-0095-4DD8-94E2-5F98981A6085}" type="datetimeFigureOut">
               <a:rPr lang="en-AU" smtClean="0"/>
-              <a:t>2/12/2021</a:t>
+              <a:t>03/12/2021</a:t>
             </a:fld>
             <a:endParaRPr lang="en-AU"/>
           </a:p>
@@ -4332,7 +4331,7 @@
           <a:p>
             <a:fld id="{553058C3-0095-4DD8-94E2-5F98981A6085}" type="datetimeFigureOut">
               <a:rPr lang="en-AU" smtClean="0"/>
-              <a:t>2/12/2021</a:t>
+              <a:t>03/12/2021</a:t>
             </a:fld>
             <a:endParaRPr lang="en-AU"/>
           </a:p>
@@ -4621,7 +4620,7 @@
           <a:p>
             <a:fld id="{553058C3-0095-4DD8-94E2-5F98981A6085}" type="datetimeFigureOut">
               <a:rPr lang="en-AU" smtClean="0"/>
-              <a:t>2/12/2021</a:t>
+              <a:t>03/12/2021</a:t>
             </a:fld>
             <a:endParaRPr lang="en-AU"/>
           </a:p>
@@ -4864,7 +4863,7 @@
           <a:p>
             <a:fld id="{553058C3-0095-4DD8-94E2-5F98981A6085}" type="datetimeFigureOut">
               <a:rPr lang="en-AU" smtClean="0"/>
-              <a:t>2/12/2021</a:t>
+              <a:t>03/12/2021</a:t>
             </a:fld>
             <a:endParaRPr lang="en-AU"/>
           </a:p>
@@ -5390,7 +5389,7 @@
           <a:p>
             <a:r>
               <a:rPr lang="en-AU" dirty="0"/>
-              <a:t>Fit occurrence model with different threshold</a:t>
+              <a:t>Fit occurrence model with different thresholds</a:t>
             </a:r>
           </a:p>
           <a:p>
@@ -5416,10 +5415,13 @@
           <a:p>
             <a:r>
               <a:rPr lang="en-AU" dirty="0"/>
-              <a:t>Think about what to do next with the pilot study</a:t>
-            </a:r>
-          </a:p>
-          <a:p>
+              <a:t>Plot changes in parameters of each trial</a:t>
+            </a:r>
+          </a:p>
+          <a:p>
+            <a:pPr marL="0" indent="0">
+              <a:buNone/>
+            </a:pPr>
             <a:endParaRPr lang="en-AU" dirty="0"/>
           </a:p>
         </p:txBody>
@@ -6369,7 +6371,10 @@
           <a:bodyPr/>
           <a:lstStyle/>
           <a:p>
-            <a:endParaRPr lang="en-AU"/>
+            <a:r>
+              <a:rPr lang="en-AU" dirty="0"/>
+              <a:t>Plan</a:t>
+            </a:r>
           </a:p>
         </p:txBody>
       </p:sp>
@@ -6393,6 +6398,36 @@
         <p:txBody>
           <a:bodyPr/>
           <a:lstStyle/>
+          <a:p>
+            <a:r>
+              <a:rPr lang="en-AU" dirty="0"/>
+              <a:t>Fix amount parameters then calibrate with occurrence parameters. Comparing the results.</a:t>
+            </a:r>
+          </a:p>
+          <a:p>
+            <a:r>
+              <a:rPr lang="en-AU" i="1" dirty="0"/>
+              <a:t>Calibrate and validate</a:t>
+            </a:r>
+          </a:p>
+          <a:p>
+            <a:r>
+              <a:rPr lang="en-AU" dirty="0"/>
+              <a:t>Implement a different objective function</a:t>
+            </a:r>
+          </a:p>
+          <a:p>
+            <a:r>
+              <a:rPr lang="en-AU" dirty="0"/>
+              <a:t>Add more get stats functions (annual total rainfall, annual wet day amount, monthly total flow, annual total flow) </a:t>
+            </a:r>
+          </a:p>
+          <a:p>
+            <a:endParaRPr lang="en-AU" dirty="0"/>
+          </a:p>
+          <a:p>
+            <a:endParaRPr lang="en-AU" dirty="0"/>
+          </a:p>
           <a:p>
             <a:endParaRPr lang="en-AU" dirty="0"/>
           </a:p>
@@ -6402,86 +6437,6 @@
     <p:extLst>
       <p:ext uri="{BB962C8B-B14F-4D97-AF65-F5344CB8AC3E}">
         <p14:creationId xmlns:p14="http://schemas.microsoft.com/office/powerpoint/2010/main" val="923418212"/>
-      </p:ext>
-    </p:extLst>
-  </p:cSld>
-  <p:clrMapOvr>
-    <a:masterClrMapping/>
-  </p:clrMapOvr>
-</p:sld>
-</file>
-
-<file path=ppt/slides/slide7.xml><?xml version="1.0" encoding="utf-8"?>
-<p:sld xmlns:a="http://schemas.openxmlformats.org/drawingml/2006/main" xmlns:r="http://schemas.openxmlformats.org/officeDocument/2006/relationships" xmlns:p="http://schemas.openxmlformats.org/presentationml/2006/main">
-  <p:cSld>
-    <p:spTree>
-      <p:nvGrpSpPr>
-        <p:cNvPr id="1" name=""/>
-        <p:cNvGrpSpPr/>
-        <p:nvPr/>
-      </p:nvGrpSpPr>
-      <p:grpSpPr>
-        <a:xfrm>
-          <a:off x="0" y="0"/>
-          <a:ext cx="0" cy="0"/>
-          <a:chOff x="0" y="0"/>
-          <a:chExt cx="0" cy="0"/>
-        </a:xfrm>
-      </p:grpSpPr>
-      <p:sp>
-        <p:nvSpPr>
-          <p:cNvPr id="2" name="Title 1">
-            <a:extLst>
-              <a:ext uri="{FF2B5EF4-FFF2-40B4-BE49-F238E27FC236}">
-                <a16:creationId xmlns:a16="http://schemas.microsoft.com/office/drawing/2014/main" id="{D16D1AEF-62E5-414F-ADEC-A947DBEF54BD}"/>
-              </a:ext>
-            </a:extLst>
-          </p:cNvPr>
-          <p:cNvSpPr>
-            <a:spLocks noGrp="1"/>
-          </p:cNvSpPr>
-          <p:nvPr>
-            <p:ph type="title"/>
-          </p:nvPr>
-        </p:nvSpPr>
-        <p:spPr/>
-        <p:txBody>
-          <a:bodyPr/>
-          <a:lstStyle/>
-          <a:p>
-            <a:endParaRPr lang="en-AU"/>
-          </a:p>
-        </p:txBody>
-      </p:sp>
-      <p:sp>
-        <p:nvSpPr>
-          <p:cNvPr id="3" name="Content Placeholder 2">
-            <a:extLst>
-              <a:ext uri="{FF2B5EF4-FFF2-40B4-BE49-F238E27FC236}">
-                <a16:creationId xmlns:a16="http://schemas.microsoft.com/office/drawing/2014/main" id="{D50E6AA2-4837-41C0-8C39-F072B40B1428}"/>
-              </a:ext>
-            </a:extLst>
-          </p:cNvPr>
-          <p:cNvSpPr>
-            <a:spLocks noGrp="1"/>
-          </p:cNvSpPr>
-          <p:nvPr>
-            <p:ph idx="1"/>
-          </p:nvPr>
-        </p:nvSpPr>
-        <p:spPr/>
-        <p:txBody>
-          <a:bodyPr/>
-          <a:lstStyle/>
-          <a:p>
-            <a:endParaRPr lang="en-AU"/>
-          </a:p>
-        </p:txBody>
-      </p:sp>
-    </p:spTree>
-    <p:extLst>
-      <p:ext uri="{BB962C8B-B14F-4D97-AF65-F5344CB8AC3E}">
-        <p14:creationId xmlns:p14="http://schemas.microsoft.com/office/powerpoint/2010/main" val="1481067754"/>
       </p:ext>
     </p:extLst>
   </p:cSld>
